--- a/ManualTestPlan.pptx
+++ b/ManualTestPlan.pptx
@@ -2,13 +2,17 @@
 <file path=ppt/presentation.xml><?xml version="1.0" encoding="utf-8"?>
 <p:presentation xmlns:a="http://schemas.openxmlformats.org/drawingml/2006/main" xmlns:r="http://schemas.openxmlformats.org/officeDocument/2006/relationships" xmlns:p="http://schemas.openxmlformats.org/presentationml/2006/main" saveSubsetFonts="1">
   <p:sldMasterIdLst>
-    <p:sldMasterId id="2147483660" r:id="rId1"/>
+    <p:sldMasterId id="2147483684" r:id="rId1"/>
   </p:sldMasterIdLst>
   <p:sldIdLst>
     <p:sldId id="256" r:id="rId2"/>
-    <p:sldId id="257" r:id="rId3"/>
-    <p:sldId id="258" r:id="rId4"/>
-    <p:sldId id="259" r:id="rId5"/>
+    <p:sldId id="261" r:id="rId3"/>
+    <p:sldId id="260" r:id="rId4"/>
+    <p:sldId id="257" r:id="rId5"/>
+    <p:sldId id="258" r:id="rId6"/>
+    <p:sldId id="259" r:id="rId7"/>
+    <p:sldId id="262" r:id="rId8"/>
+    <p:sldId id="263" r:id="rId9"/>
   </p:sldIdLst>
   <p:sldSz cx="12192000" cy="6858000"/>
   <p:notesSz cx="6858000" cy="9144000"/>
@@ -16,7 +20,7 @@
     <a:defPPr>
       <a:defRPr lang="en-US"/>
     </a:defPPr>
-    <a:lvl1pPr marL="0" algn="l" defTabSz="914400" rtl="0" eaLnBrk="1" latinLnBrk="0" hangingPunct="1">
+    <a:lvl1pPr marL="0" algn="l" defTabSz="457200" rtl="0" eaLnBrk="1" latinLnBrk="0" hangingPunct="1">
       <a:defRPr sz="1800" kern="1200">
         <a:solidFill>
           <a:schemeClr val="tx1"/>
@@ -26,7 +30,7 @@
         <a:cs typeface="+mn-cs"/>
       </a:defRPr>
     </a:lvl1pPr>
-    <a:lvl2pPr marL="457200" algn="l" defTabSz="914400" rtl="0" eaLnBrk="1" latinLnBrk="0" hangingPunct="1">
+    <a:lvl2pPr marL="457200" algn="l" defTabSz="457200" rtl="0" eaLnBrk="1" latinLnBrk="0" hangingPunct="1">
       <a:defRPr sz="1800" kern="1200">
         <a:solidFill>
           <a:schemeClr val="tx1"/>
@@ -36,7 +40,7 @@
         <a:cs typeface="+mn-cs"/>
       </a:defRPr>
     </a:lvl2pPr>
-    <a:lvl3pPr marL="914400" algn="l" defTabSz="914400" rtl="0" eaLnBrk="1" latinLnBrk="0" hangingPunct="1">
+    <a:lvl3pPr marL="914400" algn="l" defTabSz="457200" rtl="0" eaLnBrk="1" latinLnBrk="0" hangingPunct="1">
       <a:defRPr sz="1800" kern="1200">
         <a:solidFill>
           <a:schemeClr val="tx1"/>
@@ -46,7 +50,7 @@
         <a:cs typeface="+mn-cs"/>
       </a:defRPr>
     </a:lvl3pPr>
-    <a:lvl4pPr marL="1371600" algn="l" defTabSz="914400" rtl="0" eaLnBrk="1" latinLnBrk="0" hangingPunct="1">
+    <a:lvl4pPr marL="1371600" algn="l" defTabSz="457200" rtl="0" eaLnBrk="1" latinLnBrk="0" hangingPunct="1">
       <a:defRPr sz="1800" kern="1200">
         <a:solidFill>
           <a:schemeClr val="tx1"/>
@@ -56,7 +60,7 @@
         <a:cs typeface="+mn-cs"/>
       </a:defRPr>
     </a:lvl4pPr>
-    <a:lvl5pPr marL="1828800" algn="l" defTabSz="914400" rtl="0" eaLnBrk="1" latinLnBrk="0" hangingPunct="1">
+    <a:lvl5pPr marL="1828800" algn="l" defTabSz="457200" rtl="0" eaLnBrk="1" latinLnBrk="0" hangingPunct="1">
       <a:defRPr sz="1800" kern="1200">
         <a:solidFill>
           <a:schemeClr val="tx1"/>
@@ -66,7 +70,7 @@
         <a:cs typeface="+mn-cs"/>
       </a:defRPr>
     </a:lvl5pPr>
-    <a:lvl6pPr marL="2286000" algn="l" defTabSz="914400" rtl="0" eaLnBrk="1" latinLnBrk="0" hangingPunct="1">
+    <a:lvl6pPr marL="2286000" algn="l" defTabSz="457200" rtl="0" eaLnBrk="1" latinLnBrk="0" hangingPunct="1">
       <a:defRPr sz="1800" kern="1200">
         <a:solidFill>
           <a:schemeClr val="tx1"/>
@@ -76,7 +80,7 @@
         <a:cs typeface="+mn-cs"/>
       </a:defRPr>
     </a:lvl6pPr>
-    <a:lvl7pPr marL="2743200" algn="l" defTabSz="914400" rtl="0" eaLnBrk="1" latinLnBrk="0" hangingPunct="1">
+    <a:lvl7pPr marL="2743200" algn="l" defTabSz="457200" rtl="0" eaLnBrk="1" latinLnBrk="0" hangingPunct="1">
       <a:defRPr sz="1800" kern="1200">
         <a:solidFill>
           <a:schemeClr val="tx1"/>
@@ -86,7 +90,7 @@
         <a:cs typeface="+mn-cs"/>
       </a:defRPr>
     </a:lvl7pPr>
-    <a:lvl8pPr marL="3200400" algn="l" defTabSz="914400" rtl="0" eaLnBrk="1" latinLnBrk="0" hangingPunct="1">
+    <a:lvl8pPr marL="3200400" algn="l" defTabSz="457200" rtl="0" eaLnBrk="1" latinLnBrk="0" hangingPunct="1">
       <a:defRPr sz="1800" kern="1200">
         <a:solidFill>
           <a:schemeClr val="tx1"/>
@@ -96,7 +100,7 @@
         <a:cs typeface="+mn-cs"/>
       </a:defRPr>
     </a:lvl8pPr>
-    <a:lvl9pPr marL="3657600" algn="l" defTabSz="914400" rtl="0" eaLnBrk="1" latinLnBrk="0" hangingPunct="1">
+    <a:lvl9pPr marL="3657600" algn="l" defTabSz="457200" rtl="0" eaLnBrk="1" latinLnBrk="0" hangingPunct="1">
       <a:defRPr sz="1800" kern="1200">
         <a:solidFill>
           <a:schemeClr val="tx1"/>
@@ -246,7 +250,7 @@
           <a:p>
             <a:fld id="{846CE7D5-CF57-46EF-B807-FDD0502418D4}" type="datetimeFigureOut">
               <a:rPr lang="en-US" smtClean="0"/>
-              <a:t>10/26/2018</a:t>
+              <a:t>11/8/18</a:t>
             </a:fld>
             <a:endParaRPr lang="en-US"/>
           </a:p>
@@ -297,7 +301,7 @@
     </p:spTree>
     <p:extLst>
       <p:ext uri="{BB962C8B-B14F-4D97-AF65-F5344CB8AC3E}">
-        <p14:creationId xmlns:p14="http://schemas.microsoft.com/office/powerpoint/2010/main" val="2385387890"/>
+        <p14:creationId xmlns:p14="http://schemas.microsoft.com/office/powerpoint/2010/main" val="2463917576"/>
       </p:ext>
     </p:extLst>
   </p:cSld>
@@ -365,7 +369,7 @@
             <a:pPr lvl="0"/>
             <a:r>
               <a:rPr lang="en-US"/>
-              <a:t>Click to edit Master text styles</a:t>
+              <a:t>Edit Master text styles</a:t>
             </a:r>
           </a:p>
           <a:p>
@@ -416,7 +420,7 @@
           <a:p>
             <a:fld id="{846CE7D5-CF57-46EF-B807-FDD0502418D4}" type="datetimeFigureOut">
               <a:rPr lang="en-US" smtClean="0"/>
-              <a:t>10/26/2018</a:t>
+              <a:t>11/8/18</a:t>
             </a:fld>
             <a:endParaRPr lang="en-US"/>
           </a:p>
@@ -467,7 +471,7 @@
     </p:spTree>
     <p:extLst>
       <p:ext uri="{BB962C8B-B14F-4D97-AF65-F5344CB8AC3E}">
-        <p14:creationId xmlns:p14="http://schemas.microsoft.com/office/powerpoint/2010/main" val="2202905451"/>
+        <p14:creationId xmlns:p14="http://schemas.microsoft.com/office/powerpoint/2010/main" val="972561587"/>
       </p:ext>
     </p:extLst>
   </p:cSld>
@@ -545,7 +549,7 @@
             <a:pPr lvl="0"/>
             <a:r>
               <a:rPr lang="en-US"/>
-              <a:t>Click to edit Master text styles</a:t>
+              <a:t>Edit Master text styles</a:t>
             </a:r>
           </a:p>
           <a:p>
@@ -596,7 +600,7 @@
           <a:p>
             <a:fld id="{846CE7D5-CF57-46EF-B807-FDD0502418D4}" type="datetimeFigureOut">
               <a:rPr lang="en-US" smtClean="0"/>
-              <a:t>10/26/2018</a:t>
+              <a:t>11/8/18</a:t>
             </a:fld>
             <a:endParaRPr lang="en-US"/>
           </a:p>
@@ -647,7 +651,7 @@
     </p:spTree>
     <p:extLst>
       <p:ext uri="{BB962C8B-B14F-4D97-AF65-F5344CB8AC3E}">
-        <p14:creationId xmlns:p14="http://schemas.microsoft.com/office/powerpoint/2010/main" val="3479445657"/>
+        <p14:creationId xmlns:p14="http://schemas.microsoft.com/office/powerpoint/2010/main" val="3971200619"/>
       </p:ext>
     </p:extLst>
   </p:cSld>
@@ -715,7 +719,7 @@
             <a:pPr lvl="0"/>
             <a:r>
               <a:rPr lang="en-US"/>
-              <a:t>Click to edit Master text styles</a:t>
+              <a:t>Edit Master text styles</a:t>
             </a:r>
           </a:p>
           <a:p>
@@ -766,7 +770,7 @@
           <a:p>
             <a:fld id="{846CE7D5-CF57-46EF-B807-FDD0502418D4}" type="datetimeFigureOut">
               <a:rPr lang="en-US" smtClean="0"/>
-              <a:t>10/26/2018</a:t>
+              <a:t>11/8/18</a:t>
             </a:fld>
             <a:endParaRPr lang="en-US"/>
           </a:p>
@@ -817,7 +821,7 @@
     </p:spTree>
     <p:extLst>
       <p:ext uri="{BB962C8B-B14F-4D97-AF65-F5344CB8AC3E}">
-        <p14:creationId xmlns:p14="http://schemas.microsoft.com/office/powerpoint/2010/main" val="949138452"/>
+        <p14:creationId xmlns:p14="http://schemas.microsoft.com/office/powerpoint/2010/main" val="3648149544"/>
       </p:ext>
     </p:extLst>
   </p:cSld>
@@ -990,7 +994,7 @@
             <a:pPr lvl="0"/>
             <a:r>
               <a:rPr lang="en-US"/>
-              <a:t>Click to edit Master text styles</a:t>
+              <a:t>Edit Master text styles</a:t>
             </a:r>
           </a:p>
         </p:txBody>
@@ -1012,7 +1016,7 @@
           <a:p>
             <a:fld id="{846CE7D5-CF57-46EF-B807-FDD0502418D4}" type="datetimeFigureOut">
               <a:rPr lang="en-US" smtClean="0"/>
-              <a:t>10/26/2018</a:t>
+              <a:t>11/8/18</a:t>
             </a:fld>
             <a:endParaRPr lang="en-US"/>
           </a:p>
@@ -1063,7 +1067,7 @@
     </p:spTree>
     <p:extLst>
       <p:ext uri="{BB962C8B-B14F-4D97-AF65-F5344CB8AC3E}">
-        <p14:creationId xmlns:p14="http://schemas.microsoft.com/office/powerpoint/2010/main" val="2591524520"/>
+        <p14:creationId xmlns:p14="http://schemas.microsoft.com/office/powerpoint/2010/main" val="3680063696"/>
       </p:ext>
     </p:extLst>
   </p:cSld>
@@ -1136,7 +1140,7 @@
             <a:pPr lvl="0"/>
             <a:r>
               <a:rPr lang="en-US"/>
-              <a:t>Click to edit Master text styles</a:t>
+              <a:t>Edit Master text styles</a:t>
             </a:r>
           </a:p>
           <a:p>
@@ -1193,7 +1197,7 @@
             <a:pPr lvl="0"/>
             <a:r>
               <a:rPr lang="en-US"/>
-              <a:t>Click to edit Master text styles</a:t>
+              <a:t>Edit Master text styles</a:t>
             </a:r>
           </a:p>
           <a:p>
@@ -1244,7 +1248,7 @@
           <a:p>
             <a:fld id="{846CE7D5-CF57-46EF-B807-FDD0502418D4}" type="datetimeFigureOut">
               <a:rPr lang="en-US" smtClean="0"/>
-              <a:t>10/26/2018</a:t>
+              <a:t>11/8/18</a:t>
             </a:fld>
             <a:endParaRPr lang="en-US"/>
           </a:p>
@@ -1295,7 +1299,7 @@
     </p:spTree>
     <p:extLst>
       <p:ext uri="{BB962C8B-B14F-4D97-AF65-F5344CB8AC3E}">
-        <p14:creationId xmlns:p14="http://schemas.microsoft.com/office/powerpoint/2010/main" val="1203092039"/>
+        <p14:creationId xmlns:p14="http://schemas.microsoft.com/office/powerpoint/2010/main" val="839120011"/>
       </p:ext>
     </p:extLst>
   </p:cSld>
@@ -1410,7 +1414,7 @@
             <a:pPr lvl="0"/>
             <a:r>
               <a:rPr lang="en-US"/>
-              <a:t>Click to edit Master text styles</a:t>
+              <a:t>Edit Master text styles</a:t>
             </a:r>
           </a:p>
         </p:txBody>
@@ -1438,7 +1442,7 @@
             <a:pPr lvl="0"/>
             <a:r>
               <a:rPr lang="en-US"/>
-              <a:t>Click to edit Master text styles</a:t>
+              <a:t>Edit Master text styles</a:t>
             </a:r>
           </a:p>
           <a:p>
@@ -1532,7 +1536,7 @@
             <a:pPr lvl="0"/>
             <a:r>
               <a:rPr lang="en-US"/>
-              <a:t>Click to edit Master text styles</a:t>
+              <a:t>Edit Master text styles</a:t>
             </a:r>
           </a:p>
         </p:txBody>
@@ -1560,7 +1564,7 @@
             <a:pPr lvl="0"/>
             <a:r>
               <a:rPr lang="en-US"/>
-              <a:t>Click to edit Master text styles</a:t>
+              <a:t>Edit Master text styles</a:t>
             </a:r>
           </a:p>
           <a:p>
@@ -1611,7 +1615,7 @@
           <a:p>
             <a:fld id="{846CE7D5-CF57-46EF-B807-FDD0502418D4}" type="datetimeFigureOut">
               <a:rPr lang="en-US" smtClean="0"/>
-              <a:t>10/26/2018</a:t>
+              <a:t>11/8/18</a:t>
             </a:fld>
             <a:endParaRPr lang="en-US"/>
           </a:p>
@@ -1662,7 +1666,7 @@
     </p:spTree>
     <p:extLst>
       <p:ext uri="{BB962C8B-B14F-4D97-AF65-F5344CB8AC3E}">
-        <p14:creationId xmlns:p14="http://schemas.microsoft.com/office/powerpoint/2010/main" val="3733172339"/>
+        <p14:creationId xmlns:p14="http://schemas.microsoft.com/office/powerpoint/2010/main" val="3122385351"/>
       </p:ext>
     </p:extLst>
   </p:cSld>
@@ -1729,7 +1733,7 @@
           <a:p>
             <a:fld id="{846CE7D5-CF57-46EF-B807-FDD0502418D4}" type="datetimeFigureOut">
               <a:rPr lang="en-US" smtClean="0"/>
-              <a:t>10/26/2018</a:t>
+              <a:t>11/8/18</a:t>
             </a:fld>
             <a:endParaRPr lang="en-US"/>
           </a:p>
@@ -1780,7 +1784,7 @@
     </p:spTree>
     <p:extLst>
       <p:ext uri="{BB962C8B-B14F-4D97-AF65-F5344CB8AC3E}">
-        <p14:creationId xmlns:p14="http://schemas.microsoft.com/office/powerpoint/2010/main" val="3210312558"/>
+        <p14:creationId xmlns:p14="http://schemas.microsoft.com/office/powerpoint/2010/main" val="2508750036"/>
       </p:ext>
     </p:extLst>
   </p:cSld>
@@ -1824,7 +1828,7 @@
           <a:p>
             <a:fld id="{846CE7D5-CF57-46EF-B807-FDD0502418D4}" type="datetimeFigureOut">
               <a:rPr lang="en-US" smtClean="0"/>
-              <a:t>10/26/2018</a:t>
+              <a:t>11/8/18</a:t>
             </a:fld>
             <a:endParaRPr lang="en-US"/>
           </a:p>
@@ -1875,7 +1879,7 @@
     </p:spTree>
     <p:extLst>
       <p:ext uri="{BB962C8B-B14F-4D97-AF65-F5344CB8AC3E}">
-        <p14:creationId xmlns:p14="http://schemas.microsoft.com/office/powerpoint/2010/main" val="3146388984"/>
+        <p14:creationId xmlns:p14="http://schemas.microsoft.com/office/powerpoint/2010/main" val="2503385059"/>
       </p:ext>
     </p:extLst>
   </p:cSld>
@@ -1985,7 +1989,7 @@
             <a:pPr lvl="0"/>
             <a:r>
               <a:rPr lang="en-US"/>
-              <a:t>Click to edit Master text styles</a:t>
+              <a:t>Edit Master text styles</a:t>
             </a:r>
           </a:p>
           <a:p>
@@ -2079,7 +2083,7 @@
             <a:pPr lvl="0"/>
             <a:r>
               <a:rPr lang="en-US"/>
-              <a:t>Click to edit Master text styles</a:t>
+              <a:t>Edit Master text styles</a:t>
             </a:r>
           </a:p>
         </p:txBody>
@@ -2101,7 +2105,7 @@
           <a:p>
             <a:fld id="{846CE7D5-CF57-46EF-B807-FDD0502418D4}" type="datetimeFigureOut">
               <a:rPr lang="en-US" smtClean="0"/>
-              <a:t>10/26/2018</a:t>
+              <a:t>11/8/18</a:t>
             </a:fld>
             <a:endParaRPr lang="en-US"/>
           </a:p>
@@ -2152,7 +2156,7 @@
     </p:spTree>
     <p:extLst>
       <p:ext uri="{BB962C8B-B14F-4D97-AF65-F5344CB8AC3E}">
-        <p14:creationId xmlns:p14="http://schemas.microsoft.com/office/powerpoint/2010/main" val="3171841454"/>
+        <p14:creationId xmlns:p14="http://schemas.microsoft.com/office/powerpoint/2010/main" val="319831761"/>
       </p:ext>
     </p:extLst>
   </p:cSld>
@@ -2336,7 +2340,7 @@
             <a:pPr lvl="0"/>
             <a:r>
               <a:rPr lang="en-US"/>
-              <a:t>Click to edit Master text styles</a:t>
+              <a:t>Edit Master text styles</a:t>
             </a:r>
           </a:p>
         </p:txBody>
@@ -2358,7 +2362,7 @@
           <a:p>
             <a:fld id="{846CE7D5-CF57-46EF-B807-FDD0502418D4}" type="datetimeFigureOut">
               <a:rPr lang="en-US" smtClean="0"/>
-              <a:t>10/26/2018</a:t>
+              <a:t>11/8/18</a:t>
             </a:fld>
             <a:endParaRPr lang="en-US"/>
           </a:p>
@@ -2409,7 +2413,7 @@
     </p:spTree>
     <p:extLst>
       <p:ext uri="{BB962C8B-B14F-4D97-AF65-F5344CB8AC3E}">
-        <p14:creationId xmlns:p14="http://schemas.microsoft.com/office/powerpoint/2010/main" val="1718958274"/>
+        <p14:creationId xmlns:p14="http://schemas.microsoft.com/office/powerpoint/2010/main" val="2664735479"/>
       </p:ext>
     </p:extLst>
   </p:cSld>
@@ -2423,9 +2427,14 @@
 <p:sldMaster xmlns:a="http://schemas.openxmlformats.org/drawingml/2006/main" xmlns:r="http://schemas.openxmlformats.org/officeDocument/2006/relationships" xmlns:p="http://schemas.openxmlformats.org/presentationml/2006/main">
   <p:cSld>
     <p:bg>
-      <p:bgRef idx="1001">
-        <a:schemeClr val="bg1"/>
-      </p:bgRef>
+      <p:bgPr>
+        <a:solidFill>
+          <a:schemeClr val="bg1">
+            <a:lumMod val="85000"/>
+          </a:schemeClr>
+        </a:solidFill>
+        <a:effectLst/>
+      </p:bgPr>
     </p:bg>
     <p:spTree>
       <p:nvGrpSpPr>
@@ -2502,7 +2511,7 @@
             <a:pPr lvl="0"/>
             <a:r>
               <a:rPr lang="en-US"/>
-              <a:t>Click to edit Master text styles</a:t>
+              <a:t>Edit Master text styles</a:t>
             </a:r>
           </a:p>
           <a:p>
@@ -2571,7 +2580,7 @@
           <a:p>
             <a:fld id="{846CE7D5-CF57-46EF-B807-FDD0502418D4}" type="datetimeFigureOut">
               <a:rPr lang="en-US" smtClean="0"/>
-              <a:t>10/26/2018</a:t>
+              <a:t>11/8/18</a:t>
             </a:fld>
             <a:endParaRPr lang="en-US"/>
           </a:p>
@@ -2658,23 +2667,23 @@
     </p:spTree>
     <p:extLst>
       <p:ext uri="{BB962C8B-B14F-4D97-AF65-F5344CB8AC3E}">
-        <p14:creationId xmlns:p14="http://schemas.microsoft.com/office/powerpoint/2010/main" val="2460954070"/>
+        <p14:creationId xmlns:p14="http://schemas.microsoft.com/office/powerpoint/2010/main" val="98527711"/>
       </p:ext>
     </p:extLst>
   </p:cSld>
   <p:clrMap bg1="lt1" tx1="dk1" bg2="lt2" tx2="dk2" accent1="accent1" accent2="accent2" accent3="accent3" accent4="accent4" accent5="accent5" accent6="accent6" hlink="hlink" folHlink="folHlink"/>
   <p:sldLayoutIdLst>
-    <p:sldLayoutId id="2147483661" r:id="rId1"/>
-    <p:sldLayoutId id="2147483662" r:id="rId2"/>
-    <p:sldLayoutId id="2147483663" r:id="rId3"/>
-    <p:sldLayoutId id="2147483664" r:id="rId4"/>
-    <p:sldLayoutId id="2147483665" r:id="rId5"/>
-    <p:sldLayoutId id="2147483666" r:id="rId6"/>
-    <p:sldLayoutId id="2147483667" r:id="rId7"/>
-    <p:sldLayoutId id="2147483668" r:id="rId8"/>
-    <p:sldLayoutId id="2147483669" r:id="rId9"/>
-    <p:sldLayoutId id="2147483670" r:id="rId10"/>
-    <p:sldLayoutId id="2147483671" r:id="rId11"/>
+    <p:sldLayoutId id="2147483685" r:id="rId1"/>
+    <p:sldLayoutId id="2147483686" r:id="rId2"/>
+    <p:sldLayoutId id="2147483687" r:id="rId3"/>
+    <p:sldLayoutId id="2147483688" r:id="rId4"/>
+    <p:sldLayoutId id="2147483689" r:id="rId5"/>
+    <p:sldLayoutId id="2147483690" r:id="rId6"/>
+    <p:sldLayoutId id="2147483691" r:id="rId7"/>
+    <p:sldLayoutId id="2147483692" r:id="rId8"/>
+    <p:sldLayoutId id="2147483693" r:id="rId9"/>
+    <p:sldLayoutId id="2147483694" r:id="rId10"/>
+    <p:sldLayoutId id="2147483695" r:id="rId11"/>
   </p:sldLayoutIdLst>
   <p:txStyles>
     <p:titleStyle>
@@ -2976,12 +2985,174 @@
           <a:chExt cx="0" cy="0"/>
         </a:xfrm>
       </p:grpSpPr>
+      <p:sp>
+        <p:nvSpPr>
+          <p:cNvPr id="6" name="TextBox 5">
+            <a:extLst>
+              <a:ext uri="{FF2B5EF4-FFF2-40B4-BE49-F238E27FC236}">
+                <a16:creationId xmlns:a16="http://schemas.microsoft.com/office/drawing/2014/main" id="{E411AAC6-844D-4212-BD03-9193A169CE47}"/>
+              </a:ext>
+            </a:extLst>
+          </p:cNvPr>
+          <p:cNvSpPr txBox="1"/>
+          <p:nvPr/>
+        </p:nvSpPr>
+        <p:spPr>
+          <a:xfrm>
+            <a:off x="0" y="3311"/>
+            <a:ext cx="4492486" cy="1477328"/>
+          </a:xfrm>
+          <a:prstGeom prst="rect">
+            <a:avLst/>
+          </a:prstGeom>
+        </p:spPr>
+        <p:txBody>
+          <a:bodyPr rot="0" spcFirstLastPara="0" vertOverflow="overflow" horzOverflow="overflow" vert="horz" wrap="square" lIns="91440" tIns="45720" rIns="91440" bIns="45720" numCol="1" spcCol="0" rtlCol="0" fromWordArt="0" anchor="t" anchorCtr="0" forceAA="0" compatLnSpc="1">
+            <a:prstTxWarp prst="textNoShape">
+              <a:avLst/>
+            </a:prstTxWarp>
+            <a:spAutoFit/>
+          </a:bodyPr>
+          <a:lstStyle/>
+          <a:p>
+            <a:r>
+              <a:rPr lang="en-US" dirty="0">
+                <a:latin typeface="Times New Roman"/>
+                <a:cs typeface="Times New Roman"/>
+              </a:rPr>
+              <a:t>CS242 – Programming Studio</a:t>
+            </a:r>
+          </a:p>
+          <a:p>
+            <a:r>
+              <a:rPr lang="en-US" dirty="0">
+                <a:latin typeface="Times New Roman"/>
+                <a:cs typeface="Times New Roman"/>
+              </a:rPr>
+              <a:t>FA2018</a:t>
+            </a:r>
+          </a:p>
+          <a:p>
+            <a:r>
+              <a:rPr lang="en-US" dirty="0">
+                <a:latin typeface="Times New Roman"/>
+                <a:cs typeface="Times New Roman"/>
+              </a:rPr>
+              <a:t>Henry C Woo</a:t>
+            </a:r>
+          </a:p>
+          <a:p>
+            <a:r>
+              <a:rPr lang="en-US" dirty="0">
+                <a:latin typeface="Times New Roman"/>
+                <a:cs typeface="Times New Roman"/>
+              </a:rPr>
+              <a:t>hcwoo2</a:t>
+            </a:r>
+          </a:p>
+          <a:p>
+            <a:r>
+              <a:rPr lang="en-US" dirty="0">
+                <a:latin typeface="Times New Roman"/>
+                <a:cs typeface="Times New Roman"/>
+              </a:rPr>
+              <a:t>Assignment 3 Manual Test Plan</a:t>
+            </a:r>
+          </a:p>
+        </p:txBody>
+      </p:sp>
+      <p:sp>
+        <p:nvSpPr>
+          <p:cNvPr id="8" name="TextBox 7">
+            <a:extLst>
+              <a:ext uri="{FF2B5EF4-FFF2-40B4-BE49-F238E27FC236}">
+                <a16:creationId xmlns:a16="http://schemas.microsoft.com/office/drawing/2014/main" id="{008E6972-706A-4845-B95A-7664E3CD13A9}"/>
+              </a:ext>
+            </a:extLst>
+          </p:cNvPr>
+          <p:cNvSpPr txBox="1"/>
+          <p:nvPr/>
+        </p:nvSpPr>
+        <p:spPr>
+          <a:xfrm>
+            <a:off x="7474227" y="2818895"/>
+            <a:ext cx="4240696" cy="2308324"/>
+          </a:xfrm>
+          <a:prstGeom prst="rect">
+            <a:avLst/>
+          </a:prstGeom>
+        </p:spPr>
+        <p:txBody>
+          <a:bodyPr rot="0" spcFirstLastPara="0" vertOverflow="overflow" horzOverflow="overflow" vert="horz" wrap="square" lIns="91440" tIns="45720" rIns="91440" bIns="45720" numCol="1" spcCol="0" rtlCol="0" fromWordArt="0" anchor="t" anchorCtr="0" forceAA="0" compatLnSpc="1">
+            <a:prstTxWarp prst="textNoShape">
+              <a:avLst/>
+            </a:prstTxWarp>
+            <a:spAutoFit/>
+          </a:bodyPr>
+          <a:lstStyle/>
+          <a:p>
+            <a:r>
+              <a:rPr lang="en-US" dirty="0">
+                <a:latin typeface="Times New Roman"/>
+                <a:cs typeface="Times New Roman"/>
+              </a:rPr>
+              <a:t>Users are greeted by </a:t>
+            </a:r>
+            <a:r>
+              <a:rPr lang="en-US" dirty="0" err="1">
+                <a:latin typeface="Times New Roman"/>
+                <a:cs typeface="Times New Roman"/>
+              </a:rPr>
+              <a:t>Octocat</a:t>
+            </a:r>
+            <a:r>
+              <a:rPr lang="en-US" dirty="0">
+                <a:latin typeface="Times New Roman"/>
+                <a:cs typeface="Times New Roman"/>
+              </a:rPr>
+              <a:t>. Here they can choose to input their credentials via </a:t>
+            </a:r>
+            <a:r>
+              <a:rPr lang="en-US" dirty="0" err="1">
+                <a:latin typeface="Times New Roman"/>
+                <a:cs typeface="Times New Roman"/>
+              </a:rPr>
+              <a:t>BasicAuth</a:t>
+            </a:r>
+            <a:r>
+              <a:rPr lang="en-US" dirty="0">
+                <a:latin typeface="Times New Roman"/>
+                <a:cs typeface="Times New Roman"/>
+              </a:rPr>
+              <a:t> or Auth2.0.</a:t>
+            </a:r>
+          </a:p>
+          <a:p>
+            <a:endParaRPr lang="en-US" dirty="0">
+              <a:latin typeface="Times New Roman"/>
+              <a:cs typeface="Times New Roman"/>
+            </a:endParaRPr>
+          </a:p>
+          <a:p>
+            <a:r>
+              <a:rPr lang="en-US" dirty="0">
+                <a:latin typeface="Times New Roman"/>
+                <a:cs typeface="Times New Roman"/>
+              </a:rPr>
+              <a:t>If they choose to “Remember Me” only their username will be stored for future accesses (password will still be required for entry).</a:t>
+            </a:r>
+            <a:endParaRPr lang="en-US" dirty="0">
+              <a:cs typeface="Calibri"/>
+            </a:endParaRPr>
+          </a:p>
+        </p:txBody>
+      </p:sp>
       <p:pic>
         <p:nvPicPr>
-          <p:cNvPr id="4" name="Picture 4" descr="A screenshot of a cell phone&#10;&#10;Description generated with very high confidence">
+          <p:cNvPr id="3" name="Picture 2">
             <a:extLst>
               <a:ext uri="{FF2B5EF4-FFF2-40B4-BE49-F238E27FC236}">
-                <a16:creationId xmlns:a16="http://schemas.microsoft.com/office/drawing/2014/main" id="{79BEEDBD-D33A-45B4-8CB8-5CF86F691473}"/>
+                <a16:creationId xmlns:a16="http://schemas.microsoft.com/office/drawing/2014/main" id="{BEDC4B24-197F-FC49-AD27-A86D8F923EBB}"/>
               </a:ext>
             </a:extLst>
           </p:cNvPr>
@@ -2991,154 +3162,27 @@
           <p:nvPr/>
         </p:nvPicPr>
         <p:blipFill>
-          <a:blip r:embed="rId2"/>
+          <a:blip r:embed="rId2">
+            <a:extLst>
+              <a:ext uri="{28A0092B-C50C-407E-A947-70E740481C1C}">
+                <a14:useLocalDpi xmlns:a14="http://schemas.microsoft.com/office/drawing/2010/main" val="0"/>
+              </a:ext>
+            </a:extLst>
+          </a:blip>
           <a:stretch>
             <a:fillRect/>
           </a:stretch>
         </p:blipFill>
         <p:spPr>
           <a:xfrm>
-            <a:off x="3820628" y="828261"/>
-            <a:ext cx="2417143" cy="5241235"/>
+            <a:off x="3986418" y="0"/>
+            <a:ext cx="3169756" cy="6860150"/>
           </a:xfrm>
           <a:prstGeom prst="rect">
             <a:avLst/>
           </a:prstGeom>
         </p:spPr>
       </p:pic>
-      <p:sp>
-        <p:nvSpPr>
-          <p:cNvPr id="6" name="TextBox 5">
-            <a:extLst>
-              <a:ext uri="{FF2B5EF4-FFF2-40B4-BE49-F238E27FC236}">
-                <a16:creationId xmlns:a16="http://schemas.microsoft.com/office/drawing/2014/main" id="{E411AAC6-844D-4212-BD03-9193A169CE47}"/>
-              </a:ext>
-            </a:extLst>
-          </p:cNvPr>
-          <p:cNvSpPr txBox="1"/>
-          <p:nvPr/>
-        </p:nvSpPr>
-        <p:spPr>
-          <a:xfrm>
-            <a:off x="0" y="3311"/>
-            <a:ext cx="4492486" cy="1477328"/>
-          </a:xfrm>
-          <a:prstGeom prst="rect">
-            <a:avLst/>
-          </a:prstGeom>
-        </p:spPr>
-        <p:txBody>
-          <a:bodyPr rot="0" spcFirstLastPara="0" vertOverflow="overflow" horzOverflow="overflow" vert="horz" wrap="square" lIns="91440" tIns="45720" rIns="91440" bIns="45720" numCol="1" spcCol="0" rtlCol="0" fromWordArt="0" anchor="t" anchorCtr="0" forceAA="0" compatLnSpc="1">
-            <a:prstTxWarp prst="textNoShape">
-              <a:avLst/>
-            </a:prstTxWarp>
-            <a:spAutoFit/>
-          </a:bodyPr>
-          <a:lstStyle/>
-          <a:p>
-            <a:r>
-              <a:rPr lang="en-US" dirty="0">
-                <a:latin typeface="Times New Roman"/>
-                <a:cs typeface="Times New Roman"/>
-              </a:rPr>
-              <a:t>CS242 – Programming Studio</a:t>
-            </a:r>
-          </a:p>
-          <a:p>
-            <a:r>
-              <a:rPr lang="en-US" dirty="0">
-                <a:latin typeface="Times New Roman"/>
-                <a:cs typeface="Times New Roman"/>
-              </a:rPr>
-              <a:t>FA2018</a:t>
-            </a:r>
-          </a:p>
-          <a:p>
-            <a:r>
-              <a:rPr lang="en-US" dirty="0">
-                <a:latin typeface="Times New Roman"/>
-                <a:cs typeface="Times New Roman"/>
-              </a:rPr>
-              <a:t>Henry C Woo</a:t>
-            </a:r>
-          </a:p>
-          <a:p>
-            <a:r>
-              <a:rPr lang="en-US" dirty="0">
-                <a:latin typeface="Times New Roman"/>
-                <a:cs typeface="Times New Roman"/>
-              </a:rPr>
-              <a:t>hcwoo2</a:t>
-            </a:r>
-          </a:p>
-          <a:p>
-            <a:r>
-              <a:rPr lang="en-US" dirty="0">
-                <a:latin typeface="Times New Roman"/>
-                <a:cs typeface="Times New Roman"/>
-              </a:rPr>
-              <a:t>Assignment 3 Manual Test Plan</a:t>
-            </a:r>
-          </a:p>
-        </p:txBody>
-      </p:sp>
-      <p:sp>
-        <p:nvSpPr>
-          <p:cNvPr id="8" name="TextBox 7">
-            <a:extLst>
-              <a:ext uri="{FF2B5EF4-FFF2-40B4-BE49-F238E27FC236}">
-                <a16:creationId xmlns:a16="http://schemas.microsoft.com/office/drawing/2014/main" id="{008E6972-706A-4845-B95A-7664E3CD13A9}"/>
-              </a:ext>
-            </a:extLst>
-          </p:cNvPr>
-          <p:cNvSpPr txBox="1"/>
-          <p:nvPr/>
-        </p:nvSpPr>
-        <p:spPr>
-          <a:xfrm>
-            <a:off x="6533322" y="3641035"/>
-            <a:ext cx="5115339" cy="1200329"/>
-          </a:xfrm>
-          <a:prstGeom prst="rect">
-            <a:avLst/>
-          </a:prstGeom>
-        </p:spPr>
-        <p:txBody>
-          <a:bodyPr rot="0" spcFirstLastPara="0" vertOverflow="overflow" horzOverflow="overflow" vert="horz" wrap="square" lIns="91440" tIns="45720" rIns="91440" bIns="45720" numCol="1" spcCol="0" rtlCol="0" fromWordArt="0" anchor="t" anchorCtr="0" forceAA="0" compatLnSpc="1">
-            <a:prstTxWarp prst="textNoShape">
-              <a:avLst/>
-            </a:prstTxWarp>
-            <a:spAutoFit/>
-          </a:bodyPr>
-          <a:lstStyle/>
-          <a:p>
-            <a:r>
-              <a:rPr lang="en-US" dirty="0">
-                <a:latin typeface="Times New Roman"/>
-                <a:cs typeface="Times New Roman"/>
-              </a:rPr>
-              <a:t>Users will be greeted with this screen. In this screen they will see their avatar, the descriptions from their </a:t>
-            </a:r>
-            <a:r>
-              <a:rPr lang="en-US" dirty="0" err="1">
-                <a:latin typeface="Times New Roman"/>
-                <a:cs typeface="Times New Roman"/>
-              </a:rPr>
-              <a:t>Github</a:t>
-            </a:r>
-            <a:r>
-              <a:rPr lang="en-US" dirty="0">
-                <a:latin typeface="Times New Roman"/>
-                <a:cs typeface="Times New Roman"/>
-              </a:rPr>
-              <a:t> account, and 3 tabs for their public repos, following users, and followers.</a:t>
-            </a:r>
-            <a:endParaRPr lang="en-US" dirty="0">
-              <a:cs typeface="Calibri"/>
-            </a:endParaRPr>
-          </a:p>
-        </p:txBody>
-      </p:sp>
     </p:spTree>
     <p:extLst>
       <p:ext uri="{BB962C8B-B14F-4D97-AF65-F5344CB8AC3E}">
@@ -3183,8 +3227,8 @@
         </p:nvSpPr>
         <p:spPr>
           <a:xfrm>
-            <a:off x="1649896" y="4197626"/>
-            <a:ext cx="5115339" cy="923330"/>
+            <a:off x="867270" y="2738735"/>
+            <a:ext cx="4240696" cy="1200329"/>
           </a:xfrm>
           <a:prstGeom prst="rect">
             <a:avLst/>
@@ -3204,31 +3248,35 @@
                 <a:latin typeface="Times New Roman"/>
                 <a:cs typeface="Times New Roman"/>
               </a:rPr>
-              <a:t>Swiping their name to the left will reveal multiple descriptors of their account like their bio and when they joined </a:t>
-            </a:r>
-            <a:r>
-              <a:rPr lang="en-US" dirty="0" err="1">
+              <a:t>Choosing “Login with GitHub” will send them to </a:t>
+            </a:r>
+            <a:r>
+              <a:rPr lang="en-US" dirty="0">
                 <a:latin typeface="Times New Roman"/>
                 <a:cs typeface="Times New Roman"/>
+                <a:hlinkClick r:id="rId2"/>
               </a:rPr>
-              <a:t>Github</a:t>
+              <a:t>https://www.github.com</a:t>
             </a:r>
             <a:r>
               <a:rPr lang="en-US" dirty="0">
                 <a:latin typeface="Times New Roman"/>
                 <a:cs typeface="Times New Roman"/>
               </a:rPr>
-              <a:t>.</a:t>
-            </a:r>
+              <a:t> for permissions to access non-sensitive data about the user.</a:t>
+            </a:r>
+            <a:endParaRPr lang="en-US" dirty="0">
+              <a:cs typeface="Calibri"/>
+            </a:endParaRPr>
           </a:p>
         </p:txBody>
       </p:sp>
       <p:pic>
         <p:nvPicPr>
-          <p:cNvPr id="2" name="Picture 2" descr="A screenshot of a cell phone&#10;&#10;Description generated with very high confidence">
+          <p:cNvPr id="4" name="Picture 3" descr="A screenshot of a cell phone&#13;&#10;&#13;&#10;Description automatically generated">
             <a:extLst>
               <a:ext uri="{FF2B5EF4-FFF2-40B4-BE49-F238E27FC236}">
-                <a16:creationId xmlns:a16="http://schemas.microsoft.com/office/drawing/2014/main" id="{788D6F0F-5638-4E12-9C81-096208F8E82B}"/>
+                <a16:creationId xmlns:a16="http://schemas.microsoft.com/office/drawing/2014/main" id="{3F2F0C34-B22E-7F47-9E11-E0B3BADE5664}"/>
               </a:ext>
             </a:extLst>
           </p:cNvPr>
@@ -3238,15 +3286,21 @@
           <p:nvPr/>
         </p:nvPicPr>
         <p:blipFill>
-          <a:blip r:embed="rId2"/>
+          <a:blip r:embed="rId3">
+            <a:extLst>
+              <a:ext uri="{28A0092B-C50C-407E-A947-70E740481C1C}">
+                <a14:useLocalDpi xmlns:a14="http://schemas.microsoft.com/office/drawing/2010/main" val="0"/>
+              </a:ext>
+            </a:extLst>
+          </a:blip>
           <a:stretch>
             <a:fillRect/>
           </a:stretch>
         </p:blipFill>
         <p:spPr>
           <a:xfrm>
-            <a:off x="7279447" y="629479"/>
-            <a:ext cx="2443647" cy="5294243"/>
+            <a:off x="6221148" y="0"/>
+            <a:ext cx="3168763" cy="6858000"/>
           </a:xfrm>
           <a:prstGeom prst="rect">
             <a:avLst/>
@@ -3256,7 +3310,7 @@
     </p:spTree>
     <p:extLst>
       <p:ext uri="{BB962C8B-B14F-4D97-AF65-F5344CB8AC3E}">
-        <p14:creationId xmlns:p14="http://schemas.microsoft.com/office/powerpoint/2010/main" val="1856353124"/>
+        <p14:creationId xmlns:p14="http://schemas.microsoft.com/office/powerpoint/2010/main" val="3670313873"/>
       </p:ext>
     </p:extLst>
   </p:cSld>
@@ -3283,12 +3337,69 @@
           <a:chExt cx="0" cy="0"/>
         </a:xfrm>
       </p:grpSpPr>
+      <p:sp>
+        <p:nvSpPr>
+          <p:cNvPr id="8" name="TextBox 7">
+            <a:extLst>
+              <a:ext uri="{FF2B5EF4-FFF2-40B4-BE49-F238E27FC236}">
+                <a16:creationId xmlns:a16="http://schemas.microsoft.com/office/drawing/2014/main" id="{008E6972-706A-4845-B95A-7664E3CD13A9}"/>
+              </a:ext>
+            </a:extLst>
+          </p:cNvPr>
+          <p:cNvSpPr txBox="1"/>
+          <p:nvPr/>
+        </p:nvSpPr>
+        <p:spPr>
+          <a:xfrm>
+            <a:off x="5529471" y="2935357"/>
+            <a:ext cx="5115339" cy="1200329"/>
+          </a:xfrm>
+          <a:prstGeom prst="rect">
+            <a:avLst/>
+          </a:prstGeom>
+        </p:spPr>
+        <p:txBody>
+          <a:bodyPr rot="0" spcFirstLastPara="0" vertOverflow="overflow" horzOverflow="overflow" vert="horz" wrap="square" lIns="91440" tIns="45720" rIns="91440" bIns="45720" numCol="1" spcCol="0" rtlCol="0" fromWordArt="0" anchor="t" anchorCtr="0" forceAA="0" compatLnSpc="1">
+            <a:prstTxWarp prst="textNoShape">
+              <a:avLst/>
+            </a:prstTxWarp>
+            <a:spAutoFit/>
+          </a:bodyPr>
+          <a:lstStyle/>
+          <a:p>
+            <a:r>
+              <a:rPr lang="en-US" dirty="0">
+                <a:latin typeface="Times New Roman"/>
+                <a:cs typeface="Times New Roman"/>
+              </a:rPr>
+              <a:t>After login, they will see their avatar, the descriptions from their </a:t>
+            </a:r>
+            <a:r>
+              <a:rPr lang="en-US" dirty="0" err="1">
+                <a:latin typeface="Times New Roman"/>
+                <a:cs typeface="Times New Roman"/>
+              </a:rPr>
+              <a:t>Github</a:t>
+            </a:r>
+            <a:r>
+              <a:rPr lang="en-US" dirty="0">
+                <a:latin typeface="Times New Roman"/>
+                <a:cs typeface="Times New Roman"/>
+              </a:rPr>
+              <a:t> account, and 4 tabs for their public repos, following users, followers, and unread notifications.</a:t>
+            </a:r>
+            <a:endParaRPr lang="en-US" dirty="0">
+              <a:cs typeface="Calibri"/>
+            </a:endParaRPr>
+          </a:p>
+        </p:txBody>
+      </p:sp>
       <p:pic>
         <p:nvPicPr>
-          <p:cNvPr id="3" name="Picture 3" descr="A screenshot of a cell phone&#10;&#10;Description generated with very high confidence">
+          <p:cNvPr id="3" name="Picture 2" descr="A screenshot of a cell phone&#13;&#10;&#13;&#10;Description automatically generated">
             <a:extLst>
               <a:ext uri="{FF2B5EF4-FFF2-40B4-BE49-F238E27FC236}">
-                <a16:creationId xmlns:a16="http://schemas.microsoft.com/office/drawing/2014/main" id="{CA92C77D-C68D-4537-AD9C-AE32A5541E85}"/>
+                <a16:creationId xmlns:a16="http://schemas.microsoft.com/office/drawing/2014/main" id="{7C52A115-D088-A947-B5AC-445C164DA201}"/>
               </a:ext>
             </a:extLst>
           </p:cNvPr>
@@ -3298,148 +3409,31 @@
           <p:nvPr/>
         </p:nvPicPr>
         <p:blipFill>
-          <a:blip r:embed="rId2"/>
+          <a:blip r:embed="rId2">
+            <a:extLst>
+              <a:ext uri="{28A0092B-C50C-407E-A947-70E740481C1C}">
+                <a14:useLocalDpi xmlns:a14="http://schemas.microsoft.com/office/drawing/2010/main" val="0"/>
+              </a:ext>
+            </a:extLst>
+          </a:blip>
           <a:stretch>
             <a:fillRect/>
           </a:stretch>
         </p:blipFill>
         <p:spPr>
           <a:xfrm>
-            <a:off x="4860096" y="819150"/>
-            <a:ext cx="2167008" cy="4676775"/>
+            <a:off x="1678966" y="0"/>
+            <a:ext cx="3168763" cy="6858000"/>
           </a:xfrm>
           <a:prstGeom prst="rect">
             <a:avLst/>
           </a:prstGeom>
         </p:spPr>
       </p:pic>
-      <p:pic>
-        <p:nvPicPr>
-          <p:cNvPr id="5" name="Picture 5" descr="A screenshot of a cell phone&#10;&#10;Description generated with very high confidence">
-            <a:extLst>
-              <a:ext uri="{FF2B5EF4-FFF2-40B4-BE49-F238E27FC236}">
-                <a16:creationId xmlns:a16="http://schemas.microsoft.com/office/drawing/2014/main" id="{958B32AA-F7B4-4BDC-906D-A4B69973EDF2}"/>
-              </a:ext>
-            </a:extLst>
-          </p:cNvPr>
-          <p:cNvPicPr>
-            <a:picLocks noChangeAspect="1"/>
-          </p:cNvPicPr>
-          <p:nvPr/>
-        </p:nvPicPr>
-        <p:blipFill>
-          <a:blip r:embed="rId3"/>
-          <a:stretch>
-            <a:fillRect/>
-          </a:stretch>
-        </p:blipFill>
-        <p:spPr>
-          <a:xfrm>
-            <a:off x="1435237" y="816251"/>
-            <a:ext cx="2233683" cy="4829175"/>
-          </a:xfrm>
-          <a:prstGeom prst="rect">
-            <a:avLst/>
-          </a:prstGeom>
-        </p:spPr>
-      </p:pic>
-      <p:cxnSp>
-        <p:nvCxnSpPr>
-          <p:cNvPr id="7" name="Straight Arrow Connector 6">
-            <a:extLst>
-              <a:ext uri="{FF2B5EF4-FFF2-40B4-BE49-F238E27FC236}">
-                <a16:creationId xmlns:a16="http://schemas.microsoft.com/office/drawing/2014/main" id="{8070248D-C29A-4F2C-A653-100FF1AED33E}"/>
-              </a:ext>
-            </a:extLst>
-          </p:cNvPr>
-          <p:cNvCxnSpPr/>
-          <p:nvPr/>
-        </p:nvCxnSpPr>
-        <p:spPr>
-          <a:xfrm flipV="1">
-            <a:off x="2904790" y="3510944"/>
-            <a:ext cx="1856369" cy="12253"/>
-          </a:xfrm>
-          <a:prstGeom prst="straightConnector1">
-            <a:avLst/>
-          </a:prstGeom>
-          <a:ln>
-            <a:tailEnd type="triangle"/>
-          </a:ln>
-        </p:spPr>
-        <p:style>
-          <a:lnRef idx="1">
-            <a:schemeClr val="accent1"/>
-          </a:lnRef>
-          <a:fillRef idx="0">
-            <a:schemeClr val="accent1"/>
-          </a:fillRef>
-          <a:effectRef idx="0">
-            <a:schemeClr val="accent1"/>
-          </a:effectRef>
-          <a:fontRef idx="minor">
-            <a:schemeClr val="tx1"/>
-          </a:fontRef>
-        </p:style>
-      </p:cxnSp>
-      <p:sp>
-        <p:nvSpPr>
-          <p:cNvPr id="10" name="TextBox 9">
-            <a:extLst>
-              <a:ext uri="{FF2B5EF4-FFF2-40B4-BE49-F238E27FC236}">
-                <a16:creationId xmlns:a16="http://schemas.microsoft.com/office/drawing/2014/main" id="{AC4D83D0-457E-43B8-9D5D-E8BDB85F1F3D}"/>
-              </a:ext>
-            </a:extLst>
-          </p:cNvPr>
-          <p:cNvSpPr txBox="1"/>
-          <p:nvPr/>
-        </p:nvSpPr>
-        <p:spPr>
-          <a:xfrm>
-            <a:off x="7202157" y="3837686"/>
-            <a:ext cx="4755400" cy="646331"/>
-          </a:xfrm>
-          <a:prstGeom prst="rect">
-            <a:avLst/>
-          </a:prstGeom>
-        </p:spPr>
-        <p:txBody>
-          <a:bodyPr rot="0" spcFirstLastPara="0" vertOverflow="overflow" horzOverflow="overflow" vert="horz" wrap="square" lIns="91440" tIns="45720" rIns="91440" bIns="45720" numCol="1" spcCol="0" rtlCol="0" fromWordArt="0" anchor="t" anchorCtr="0" forceAA="0" compatLnSpc="1">
-            <a:prstTxWarp prst="textNoShape">
-              <a:avLst/>
-            </a:prstTxWarp>
-            <a:spAutoFit/>
-          </a:bodyPr>
-          <a:lstStyle/>
-          <a:p>
-            <a:r>
-              <a:rPr lang="en-US" dirty="0">
-                <a:latin typeface="Times New Roman"/>
-                <a:cs typeface="Times New Roman"/>
-              </a:rPr>
-              <a:t>Pressing on one of the public repos will launch a default browser to the original </a:t>
-            </a:r>
-            <a:r>
-              <a:rPr lang="en-US" dirty="0" err="1">
-                <a:latin typeface="Times New Roman"/>
-                <a:cs typeface="Times New Roman"/>
-              </a:rPr>
-              <a:t>Github</a:t>
-            </a:r>
-            <a:r>
-              <a:rPr lang="en-US" dirty="0">
-                <a:latin typeface="Times New Roman"/>
-                <a:cs typeface="Times New Roman"/>
-              </a:rPr>
-              <a:t> URL.</a:t>
-            </a:r>
-          </a:p>
-        </p:txBody>
-      </p:sp>
     </p:spTree>
     <p:extLst>
       <p:ext uri="{BB962C8B-B14F-4D97-AF65-F5344CB8AC3E}">
-        <p14:creationId xmlns:p14="http://schemas.microsoft.com/office/powerpoint/2010/main" val="3543005141"/>
+        <p14:creationId xmlns:p14="http://schemas.microsoft.com/office/powerpoint/2010/main" val="657910976"/>
       </p:ext>
     </p:extLst>
   </p:cSld>
@@ -3466,12 +3460,66 @@
           <a:chExt cx="0" cy="0"/>
         </a:xfrm>
       </p:grpSpPr>
+      <p:sp>
+        <p:nvSpPr>
+          <p:cNvPr id="8" name="TextBox 7">
+            <a:extLst>
+              <a:ext uri="{FF2B5EF4-FFF2-40B4-BE49-F238E27FC236}">
+                <a16:creationId xmlns:a16="http://schemas.microsoft.com/office/drawing/2014/main" id="{008E6972-706A-4845-B95A-7664E3CD13A9}"/>
+              </a:ext>
+            </a:extLst>
+          </p:cNvPr>
+          <p:cNvSpPr txBox="1"/>
+          <p:nvPr/>
+        </p:nvSpPr>
+        <p:spPr>
+          <a:xfrm>
+            <a:off x="1331844" y="3263348"/>
+            <a:ext cx="5115339" cy="923330"/>
+          </a:xfrm>
+          <a:prstGeom prst="rect">
+            <a:avLst/>
+          </a:prstGeom>
+        </p:spPr>
+        <p:txBody>
+          <a:bodyPr rot="0" spcFirstLastPara="0" vertOverflow="overflow" horzOverflow="overflow" vert="horz" wrap="square" lIns="91440" tIns="45720" rIns="91440" bIns="45720" numCol="1" spcCol="0" rtlCol="0" fromWordArt="0" anchor="t" anchorCtr="0" forceAA="0" compatLnSpc="1">
+            <a:prstTxWarp prst="textNoShape">
+              <a:avLst/>
+            </a:prstTxWarp>
+            <a:spAutoFit/>
+          </a:bodyPr>
+          <a:lstStyle/>
+          <a:p>
+            <a:r>
+              <a:rPr lang="en-US" dirty="0">
+                <a:latin typeface="Times New Roman"/>
+                <a:cs typeface="Times New Roman"/>
+              </a:rPr>
+              <a:t>Swiping their name to the left will reveal multiple descriptors of their account like their bio and when they joined </a:t>
+            </a:r>
+            <a:r>
+              <a:rPr lang="en-US" dirty="0" err="1">
+                <a:latin typeface="Times New Roman"/>
+                <a:cs typeface="Times New Roman"/>
+              </a:rPr>
+              <a:t>Github</a:t>
+            </a:r>
+            <a:r>
+              <a:rPr lang="en-US" dirty="0">
+                <a:latin typeface="Times New Roman"/>
+                <a:cs typeface="Times New Roman"/>
+              </a:rPr>
+              <a:t>.</a:t>
+            </a:r>
+          </a:p>
+        </p:txBody>
+      </p:sp>
       <p:pic>
         <p:nvPicPr>
-          <p:cNvPr id="2" name="Picture 2" descr="A screenshot of a cell phone&#10;&#10;Description generated with very high confidence">
+          <p:cNvPr id="4" name="Picture 3" descr="A screenshot of a cell phone&#13;&#10;&#13;&#10;Description automatically generated">
             <a:extLst>
               <a:ext uri="{FF2B5EF4-FFF2-40B4-BE49-F238E27FC236}">
-                <a16:creationId xmlns:a16="http://schemas.microsoft.com/office/drawing/2014/main" id="{6DF8845F-B85D-4983-B7E4-FA233B47232A}"/>
+                <a16:creationId xmlns:a16="http://schemas.microsoft.com/office/drawing/2014/main" id="{7F6106C1-34AA-CC42-A1DD-DAC18A23FA05}"/>
               </a:ext>
             </a:extLst>
           </p:cNvPr>
@@ -3481,27 +3529,103 @@
           <p:nvPr/>
         </p:nvPicPr>
         <p:blipFill>
-          <a:blip r:embed="rId2"/>
+          <a:blip r:embed="rId2">
+            <a:extLst>
+              <a:ext uri="{28A0092B-C50C-407E-A947-70E740481C1C}">
+                <a14:useLocalDpi xmlns:a14="http://schemas.microsoft.com/office/drawing/2010/main" val="0"/>
+              </a:ext>
+            </a:extLst>
+          </a:blip>
           <a:stretch>
             <a:fillRect/>
           </a:stretch>
         </p:blipFill>
         <p:spPr>
           <a:xfrm>
-            <a:off x="5588228" y="530354"/>
-            <a:ext cx="2344488" cy="5075915"/>
+            <a:off x="6447183" y="0"/>
+            <a:ext cx="3168763" cy="6858000"/>
           </a:xfrm>
           <a:prstGeom prst="rect">
             <a:avLst/>
           </a:prstGeom>
         </p:spPr>
       </p:pic>
+    </p:spTree>
+    <p:extLst>
+      <p:ext uri="{BB962C8B-B14F-4D97-AF65-F5344CB8AC3E}">
+        <p14:creationId xmlns:p14="http://schemas.microsoft.com/office/powerpoint/2010/main" val="1856353124"/>
+      </p:ext>
+    </p:extLst>
+  </p:cSld>
+  <p:clrMapOvr>
+    <a:masterClrMapping/>
+  </p:clrMapOvr>
+</p:sld>
+</file>
+
+<file path=ppt/slides/slide5.xml><?xml version="1.0" encoding="utf-8"?>
+<p:sld xmlns:a="http://schemas.openxmlformats.org/drawingml/2006/main" xmlns:r="http://schemas.openxmlformats.org/officeDocument/2006/relationships" xmlns:p="http://schemas.openxmlformats.org/presentationml/2006/main">
+  <p:cSld>
+    <p:spTree>
+      <p:nvGrpSpPr>
+        <p:cNvPr id="1" name=""/>
+        <p:cNvGrpSpPr/>
+        <p:nvPr/>
+      </p:nvGrpSpPr>
+      <p:grpSpPr>
+        <a:xfrm>
+          <a:off x="0" y="0"/>
+          <a:ext cx="0" cy="0"/>
+          <a:chOff x="0" y="0"/>
+          <a:chExt cx="0" cy="0"/>
+        </a:xfrm>
+      </p:grpSpPr>
+      <p:sp>
+        <p:nvSpPr>
+          <p:cNvPr id="10" name="TextBox 9">
+            <a:extLst>
+              <a:ext uri="{FF2B5EF4-FFF2-40B4-BE49-F238E27FC236}">
+                <a16:creationId xmlns:a16="http://schemas.microsoft.com/office/drawing/2014/main" id="{AC4D83D0-457E-43B8-9D5D-E8BDB85F1F3D}"/>
+              </a:ext>
+            </a:extLst>
+          </p:cNvPr>
+          <p:cNvSpPr txBox="1"/>
+          <p:nvPr/>
+        </p:nvSpPr>
+        <p:spPr>
+          <a:xfrm>
+            <a:off x="6096000" y="2690336"/>
+            <a:ext cx="4755400" cy="1477328"/>
+          </a:xfrm>
+          <a:prstGeom prst="rect">
+            <a:avLst/>
+          </a:prstGeom>
+        </p:spPr>
+        <p:txBody>
+          <a:bodyPr rot="0" spcFirstLastPara="0" vertOverflow="overflow" horzOverflow="overflow" vert="horz" wrap="square" lIns="91440" tIns="45720" rIns="91440" bIns="45720" numCol="1" spcCol="0" rtlCol="0" fromWordArt="0" anchor="t" anchorCtr="0" forceAA="0" compatLnSpc="1">
+            <a:prstTxWarp prst="textNoShape">
+              <a:avLst/>
+            </a:prstTxWarp>
+            <a:spAutoFit/>
+          </a:bodyPr>
+          <a:lstStyle/>
+          <a:p>
+            <a:r>
+              <a:rPr lang="en-US" dirty="0">
+                <a:latin typeface="Times New Roman"/>
+                <a:cs typeface="Times New Roman"/>
+              </a:rPr>
+              <a:t>Pressing on one of the repositories will display this screen with some basic information with data visualization. They may choose to tap on the external link in the top right hand corner to visit the GitHub official repo page.</a:t>
+            </a:r>
+          </a:p>
+        </p:txBody>
+      </p:sp>
       <p:pic>
         <p:nvPicPr>
-          <p:cNvPr id="4" name="Picture 4">
+          <p:cNvPr id="4" name="Picture 3" descr="A screenshot of a cell phone&#13;&#10;&#13;&#10;Description automatically generated">
             <a:extLst>
               <a:ext uri="{FF2B5EF4-FFF2-40B4-BE49-F238E27FC236}">
-                <a16:creationId xmlns:a16="http://schemas.microsoft.com/office/drawing/2014/main" id="{C5FE3669-A10C-4228-9E9A-FD539B2C31A7}"/>
+                <a16:creationId xmlns:a16="http://schemas.microsoft.com/office/drawing/2014/main" id="{13557940-211C-324F-883B-F182B8764228}"/>
               </a:ext>
             </a:extLst>
           </p:cNvPr>
@@ -3511,15 +3635,163 @@
           <p:nvPr/>
         </p:nvPicPr>
         <p:blipFill>
-          <a:blip r:embed="rId3"/>
+          <a:blip r:embed="rId2">
+            <a:extLst>
+              <a:ext uri="{28A0092B-C50C-407E-A947-70E740481C1C}">
+                <a14:useLocalDpi xmlns:a14="http://schemas.microsoft.com/office/drawing/2010/main" val="0"/>
+              </a:ext>
+            </a:extLst>
+          </a:blip>
           <a:stretch>
             <a:fillRect/>
           </a:stretch>
         </p:blipFill>
         <p:spPr>
           <a:xfrm>
-            <a:off x="9022407" y="530354"/>
-            <a:ext cx="2344488" cy="5075915"/>
+            <a:off x="2069905" y="0"/>
+            <a:ext cx="3168763" cy="6858000"/>
+          </a:xfrm>
+          <a:prstGeom prst="rect">
+            <a:avLst/>
+          </a:prstGeom>
+        </p:spPr>
+      </p:pic>
+    </p:spTree>
+    <p:extLst>
+      <p:ext uri="{BB962C8B-B14F-4D97-AF65-F5344CB8AC3E}">
+        <p14:creationId xmlns:p14="http://schemas.microsoft.com/office/powerpoint/2010/main" val="3543005141"/>
+      </p:ext>
+    </p:extLst>
+  </p:cSld>
+  <p:clrMapOvr>
+    <a:masterClrMapping/>
+  </p:clrMapOvr>
+</p:sld>
+</file>
+
+<file path=ppt/slides/slide6.xml><?xml version="1.0" encoding="utf-8"?>
+<p:sld xmlns:a="http://schemas.openxmlformats.org/drawingml/2006/main" xmlns:r="http://schemas.openxmlformats.org/officeDocument/2006/relationships" xmlns:p="http://schemas.openxmlformats.org/presentationml/2006/main">
+  <p:cSld>
+    <p:spTree>
+      <p:nvGrpSpPr>
+        <p:cNvPr id="1" name=""/>
+        <p:cNvGrpSpPr/>
+        <p:nvPr/>
+      </p:nvGrpSpPr>
+      <p:grpSpPr>
+        <a:xfrm>
+          <a:off x="0" y="0"/>
+          <a:ext cx="0" cy="0"/>
+          <a:chOff x="0" y="0"/>
+          <a:chExt cx="0" cy="0"/>
+        </a:xfrm>
+      </p:grpSpPr>
+      <p:sp>
+        <p:nvSpPr>
+          <p:cNvPr id="9" name="TextBox 8">
+            <a:extLst>
+              <a:ext uri="{FF2B5EF4-FFF2-40B4-BE49-F238E27FC236}">
+                <a16:creationId xmlns:a16="http://schemas.microsoft.com/office/drawing/2014/main" id="{60DB4A49-E149-4A29-B7A2-E262A04676AE}"/>
+              </a:ext>
+            </a:extLst>
+          </p:cNvPr>
+          <p:cNvSpPr txBox="1"/>
+          <p:nvPr/>
+        </p:nvSpPr>
+        <p:spPr>
+          <a:xfrm>
+            <a:off x="1026044" y="2416217"/>
+            <a:ext cx="2840278" cy="1200329"/>
+          </a:xfrm>
+          <a:prstGeom prst="rect">
+            <a:avLst/>
+          </a:prstGeom>
+        </p:spPr>
+        <p:txBody>
+          <a:bodyPr rot="0" spcFirstLastPara="0" vertOverflow="overflow" horzOverflow="overflow" vert="horz" wrap="square" lIns="91440" tIns="45720" rIns="91440" bIns="45720" numCol="1" spcCol="0" rtlCol="0" fromWordArt="0" anchor="t" anchorCtr="0" forceAA="0" compatLnSpc="1">
+            <a:prstTxWarp prst="textNoShape">
+              <a:avLst/>
+            </a:prstTxWarp>
+            <a:spAutoFit/>
+          </a:bodyPr>
+          <a:lstStyle/>
+          <a:p>
+            <a:r>
+              <a:rPr lang="en-US" dirty="0">
+                <a:latin typeface="Times New Roman"/>
+                <a:cs typeface="Times New Roman"/>
+              </a:rPr>
+              <a:t>Press on one of the other users in the followers or following tab to get more information about them.</a:t>
+            </a:r>
+          </a:p>
+        </p:txBody>
+      </p:sp>
+      <p:pic>
+        <p:nvPicPr>
+          <p:cNvPr id="5" name="Picture 4" descr="A screenshot of a cell phone&#13;&#10;&#13;&#10;Description automatically generated">
+            <a:extLst>
+              <a:ext uri="{FF2B5EF4-FFF2-40B4-BE49-F238E27FC236}">
+                <a16:creationId xmlns:a16="http://schemas.microsoft.com/office/drawing/2014/main" id="{66DDC84F-DA36-9E42-AB8D-842844A7C0BF}"/>
+              </a:ext>
+            </a:extLst>
+          </p:cNvPr>
+          <p:cNvPicPr>
+            <a:picLocks noChangeAspect="1"/>
+          </p:cNvPicPr>
+          <p:nvPr/>
+        </p:nvPicPr>
+        <p:blipFill>
+          <a:blip r:embed="rId2">
+            <a:extLst>
+              <a:ext uri="{28A0092B-C50C-407E-A947-70E740481C1C}">
+                <a14:useLocalDpi xmlns:a14="http://schemas.microsoft.com/office/drawing/2010/main" val="0"/>
+              </a:ext>
+            </a:extLst>
+          </a:blip>
+          <a:stretch>
+            <a:fillRect/>
+          </a:stretch>
+        </p:blipFill>
+        <p:spPr>
+          <a:xfrm>
+            <a:off x="4511618" y="0"/>
+            <a:ext cx="3168763" cy="6858000"/>
+          </a:xfrm>
+          <a:prstGeom prst="rect">
+            <a:avLst/>
+          </a:prstGeom>
+        </p:spPr>
+      </p:pic>
+      <p:pic>
+        <p:nvPicPr>
+          <p:cNvPr id="8" name="Picture 7" descr="A picture containing monitor&#13;&#10;&#13;&#10;Description automatically generated">
+            <a:extLst>
+              <a:ext uri="{FF2B5EF4-FFF2-40B4-BE49-F238E27FC236}">
+                <a16:creationId xmlns:a16="http://schemas.microsoft.com/office/drawing/2014/main" id="{BE415AB4-A598-6549-8206-A9A6A35C59B1}"/>
+              </a:ext>
+            </a:extLst>
+          </p:cNvPr>
+          <p:cNvPicPr>
+            <a:picLocks noChangeAspect="1"/>
+          </p:cNvPicPr>
+          <p:nvPr/>
+        </p:nvPicPr>
+        <p:blipFill>
+          <a:blip r:embed="rId3">
+            <a:extLst>
+              <a:ext uri="{28A0092B-C50C-407E-A947-70E740481C1C}">
+                <a14:useLocalDpi xmlns:a14="http://schemas.microsoft.com/office/drawing/2010/main" val="0"/>
+              </a:ext>
+            </a:extLst>
+          </a:blip>
+          <a:stretch>
+            <a:fillRect/>
+          </a:stretch>
+        </p:blipFill>
+        <p:spPr>
+          <a:xfrm>
+            <a:off x="9023237" y="0"/>
+            <a:ext cx="3168763" cy="6858000"/>
           </a:xfrm>
           <a:prstGeom prst="rect">
             <a:avLst/>
@@ -3535,13 +3807,15 @@
               </a:ext>
             </a:extLst>
           </p:cNvPr>
-          <p:cNvCxnSpPr/>
+          <p:cNvCxnSpPr>
+            <a:cxnSpLocks/>
+          </p:cNvCxnSpPr>
           <p:nvPr/>
         </p:nvCxnSpPr>
         <p:spPr>
           <a:xfrm flipV="1">
-            <a:off x="7434287" y="4500389"/>
-            <a:ext cx="1343396" cy="6659"/>
+            <a:off x="7324957" y="3339548"/>
+            <a:ext cx="1590443" cy="2698128"/>
           </a:xfrm>
           <a:prstGeom prst="straightConnector1">
             <a:avLst/>
@@ -3565,46 +3839,6 @@
           </a:fontRef>
         </p:style>
       </p:cxnSp>
-      <p:sp>
-        <p:nvSpPr>
-          <p:cNvPr id="9" name="TextBox 8">
-            <a:extLst>
-              <a:ext uri="{FF2B5EF4-FFF2-40B4-BE49-F238E27FC236}">
-                <a16:creationId xmlns:a16="http://schemas.microsoft.com/office/drawing/2014/main" id="{60DB4A49-E149-4A29-B7A2-E262A04676AE}"/>
-              </a:ext>
-            </a:extLst>
-          </p:cNvPr>
-          <p:cNvSpPr txBox="1"/>
-          <p:nvPr/>
-        </p:nvSpPr>
-        <p:spPr>
-          <a:xfrm>
-            <a:off x="581564" y="3937244"/>
-            <a:ext cx="4755400" cy="923330"/>
-          </a:xfrm>
-          <a:prstGeom prst="rect">
-            <a:avLst/>
-          </a:prstGeom>
-        </p:spPr>
-        <p:txBody>
-          <a:bodyPr rot="0" spcFirstLastPara="0" vertOverflow="overflow" horzOverflow="overflow" vert="horz" wrap="square" lIns="91440" tIns="45720" rIns="91440" bIns="45720" numCol="1" spcCol="0" rtlCol="0" fromWordArt="0" anchor="t" anchorCtr="0" forceAA="0" compatLnSpc="1">
-            <a:prstTxWarp prst="textNoShape">
-              <a:avLst/>
-            </a:prstTxWarp>
-            <a:spAutoFit/>
-          </a:bodyPr>
-          <a:lstStyle/>
-          <a:p>
-            <a:r>
-              <a:rPr lang="en-US" dirty="0">
-                <a:latin typeface="Times New Roman"/>
-                <a:cs typeface="Times New Roman"/>
-              </a:rPr>
-              <a:t>Press on one of the other users in the followers or following tab to get more information about them.</a:t>
-            </a:r>
-          </a:p>
-        </p:txBody>
-      </p:sp>
     </p:spTree>
     <p:extLst>
       <p:ext uri="{BB962C8B-B14F-4D97-AF65-F5344CB8AC3E}">
@@ -3618,10 +3852,258 @@
 </p:sld>
 </file>
 
+<file path=ppt/slides/slide7.xml><?xml version="1.0" encoding="utf-8"?>
+<p:sld xmlns:a="http://schemas.openxmlformats.org/drawingml/2006/main" xmlns:r="http://schemas.openxmlformats.org/officeDocument/2006/relationships" xmlns:p="http://schemas.openxmlformats.org/presentationml/2006/main">
+  <p:cSld>
+    <p:spTree>
+      <p:nvGrpSpPr>
+        <p:cNvPr id="1" name=""/>
+        <p:cNvGrpSpPr/>
+        <p:nvPr/>
+      </p:nvGrpSpPr>
+      <p:grpSpPr>
+        <a:xfrm>
+          <a:off x="0" y="0"/>
+          <a:ext cx="0" cy="0"/>
+          <a:chOff x="0" y="0"/>
+          <a:chExt cx="0" cy="0"/>
+        </a:xfrm>
+      </p:grpSpPr>
+      <p:pic>
+        <p:nvPicPr>
+          <p:cNvPr id="3" name="Picture 2" descr="A screenshot of a cell phone&#13;&#10;&#13;&#10;Description automatically generated">
+            <a:extLst>
+              <a:ext uri="{FF2B5EF4-FFF2-40B4-BE49-F238E27FC236}">
+                <a16:creationId xmlns:a16="http://schemas.microsoft.com/office/drawing/2014/main" id="{1CA595D0-685B-AF42-855D-9E832B198856}"/>
+              </a:ext>
+            </a:extLst>
+          </p:cNvPr>
+          <p:cNvPicPr>
+            <a:picLocks noChangeAspect="1"/>
+          </p:cNvPicPr>
+          <p:nvPr/>
+        </p:nvPicPr>
+        <p:blipFill>
+          <a:blip r:embed="rId2">
+            <a:extLst>
+              <a:ext uri="{28A0092B-C50C-407E-A947-70E740481C1C}">
+                <a14:useLocalDpi xmlns:a14="http://schemas.microsoft.com/office/drawing/2010/main" val="0"/>
+              </a:ext>
+            </a:extLst>
+          </a:blip>
+          <a:stretch>
+            <a:fillRect/>
+          </a:stretch>
+        </p:blipFill>
+        <p:spPr>
+          <a:xfrm>
+            <a:off x="0" y="0"/>
+            <a:ext cx="3168763" cy="6858000"/>
+          </a:xfrm>
+          <a:prstGeom prst="rect">
+            <a:avLst/>
+          </a:prstGeom>
+        </p:spPr>
+      </p:pic>
+      <p:sp>
+        <p:nvSpPr>
+          <p:cNvPr id="4" name="TextBox 3">
+            <a:extLst>
+              <a:ext uri="{FF2B5EF4-FFF2-40B4-BE49-F238E27FC236}">
+                <a16:creationId xmlns:a16="http://schemas.microsoft.com/office/drawing/2014/main" id="{CFD2FA00-4B5C-D347-8440-010E7600A350}"/>
+              </a:ext>
+            </a:extLst>
+          </p:cNvPr>
+          <p:cNvSpPr txBox="1"/>
+          <p:nvPr/>
+        </p:nvSpPr>
+        <p:spPr>
+          <a:xfrm>
+            <a:off x="3469951" y="2436096"/>
+            <a:ext cx="5205298" cy="1200329"/>
+          </a:xfrm>
+          <a:prstGeom prst="rect">
+            <a:avLst/>
+          </a:prstGeom>
+        </p:spPr>
+        <p:txBody>
+          <a:bodyPr rot="0" spcFirstLastPara="0" vertOverflow="overflow" horzOverflow="overflow" vert="horz" wrap="square" lIns="91440" tIns="45720" rIns="91440" bIns="45720" numCol="1" spcCol="0" rtlCol="0" fromWordArt="0" anchor="t" anchorCtr="0" forceAA="0" compatLnSpc="1">
+            <a:prstTxWarp prst="textNoShape">
+              <a:avLst/>
+            </a:prstTxWarp>
+            <a:spAutoFit/>
+          </a:bodyPr>
+          <a:lstStyle/>
+          <a:p>
+            <a:r>
+              <a:rPr lang="en-US" dirty="0">
+                <a:latin typeface="Times New Roman"/>
+                <a:cs typeface="Times New Roman"/>
+              </a:rPr>
+              <a:t>On the main screen, click on the magnifying glass to search for users and repositories. The search bar is on the header and the ”Search” button on the top right will execute the search.</a:t>
+            </a:r>
+          </a:p>
+        </p:txBody>
+      </p:sp>
+      <p:pic>
+        <p:nvPicPr>
+          <p:cNvPr id="6" name="Picture 5" descr="A screenshot of a cell phone&#13;&#10;&#13;&#10;Description automatically generated">
+            <a:extLst>
+              <a:ext uri="{FF2B5EF4-FFF2-40B4-BE49-F238E27FC236}">
+                <a16:creationId xmlns:a16="http://schemas.microsoft.com/office/drawing/2014/main" id="{EC9AA26A-889B-4844-9403-97CA1684BBDD}"/>
+              </a:ext>
+            </a:extLst>
+          </p:cNvPr>
+          <p:cNvPicPr>
+            <a:picLocks noChangeAspect="1"/>
+          </p:cNvPicPr>
+          <p:nvPr/>
+        </p:nvPicPr>
+        <p:blipFill>
+          <a:blip r:embed="rId3">
+            <a:extLst>
+              <a:ext uri="{28A0092B-C50C-407E-A947-70E740481C1C}">
+                <a14:useLocalDpi xmlns:a14="http://schemas.microsoft.com/office/drawing/2010/main" val="0"/>
+              </a:ext>
+            </a:extLst>
+          </a:blip>
+          <a:stretch>
+            <a:fillRect/>
+          </a:stretch>
+        </p:blipFill>
+        <p:spPr>
+          <a:xfrm>
+            <a:off x="8976438" y="0"/>
+            <a:ext cx="3168763" cy="6858000"/>
+          </a:xfrm>
+          <a:prstGeom prst="rect">
+            <a:avLst/>
+          </a:prstGeom>
+        </p:spPr>
+      </p:pic>
+    </p:spTree>
+    <p:extLst>
+      <p:ext uri="{BB962C8B-B14F-4D97-AF65-F5344CB8AC3E}">
+        <p14:creationId xmlns:p14="http://schemas.microsoft.com/office/powerpoint/2010/main" val="2699588418"/>
+      </p:ext>
+    </p:extLst>
+  </p:cSld>
+  <p:clrMapOvr>
+    <a:masterClrMapping/>
+  </p:clrMapOvr>
+</p:sld>
+</file>
+
+<file path=ppt/slides/slide8.xml><?xml version="1.0" encoding="utf-8"?>
+<p:sld xmlns:a="http://schemas.openxmlformats.org/drawingml/2006/main" xmlns:r="http://schemas.openxmlformats.org/officeDocument/2006/relationships" xmlns:p="http://schemas.openxmlformats.org/presentationml/2006/main">
+  <p:cSld>
+    <p:spTree>
+      <p:nvGrpSpPr>
+        <p:cNvPr id="1" name=""/>
+        <p:cNvGrpSpPr/>
+        <p:nvPr/>
+      </p:nvGrpSpPr>
+      <p:grpSpPr>
+        <a:xfrm>
+          <a:off x="0" y="0"/>
+          <a:ext cx="0" cy="0"/>
+          <a:chOff x="0" y="0"/>
+          <a:chExt cx="0" cy="0"/>
+        </a:xfrm>
+      </p:grpSpPr>
+      <p:sp>
+        <p:nvSpPr>
+          <p:cNvPr id="4" name="TextBox 3">
+            <a:extLst>
+              <a:ext uri="{FF2B5EF4-FFF2-40B4-BE49-F238E27FC236}">
+                <a16:creationId xmlns:a16="http://schemas.microsoft.com/office/drawing/2014/main" id="{CFD2FA00-4B5C-D347-8440-010E7600A350}"/>
+              </a:ext>
+            </a:extLst>
+          </p:cNvPr>
+          <p:cNvSpPr txBox="1"/>
+          <p:nvPr/>
+        </p:nvSpPr>
+        <p:spPr>
+          <a:xfrm>
+            <a:off x="7131178" y="3270983"/>
+            <a:ext cx="3388050" cy="923330"/>
+          </a:xfrm>
+          <a:prstGeom prst="rect">
+            <a:avLst/>
+          </a:prstGeom>
+        </p:spPr>
+        <p:txBody>
+          <a:bodyPr rot="0" spcFirstLastPara="0" vertOverflow="overflow" horzOverflow="overflow" vert="horz" wrap="square" lIns="91440" tIns="45720" rIns="91440" bIns="45720" numCol="1" spcCol="0" rtlCol="0" fromWordArt="0" anchor="t" anchorCtr="0" forceAA="0" compatLnSpc="1">
+            <a:prstTxWarp prst="textNoShape">
+              <a:avLst/>
+            </a:prstTxWarp>
+            <a:spAutoFit/>
+          </a:bodyPr>
+          <a:lstStyle/>
+          <a:p>
+            <a:r>
+              <a:rPr lang="en-US" dirty="0">
+                <a:latin typeface="Times New Roman"/>
+                <a:cs typeface="Times New Roman"/>
+              </a:rPr>
+              <a:t>End a session by clicking on the logout icon in the top left. A confirmation screen will pop out.</a:t>
+            </a:r>
+          </a:p>
+        </p:txBody>
+      </p:sp>
+      <p:pic>
+        <p:nvPicPr>
+          <p:cNvPr id="5" name="Picture 4" descr="A screenshot of a cell phone&#13;&#10;&#13;&#10;Description automatically generated">
+            <a:extLst>
+              <a:ext uri="{FF2B5EF4-FFF2-40B4-BE49-F238E27FC236}">
+                <a16:creationId xmlns:a16="http://schemas.microsoft.com/office/drawing/2014/main" id="{92C60A76-4601-8048-967E-9A02F905279A}"/>
+              </a:ext>
+            </a:extLst>
+          </p:cNvPr>
+          <p:cNvPicPr>
+            <a:picLocks noChangeAspect="1"/>
+          </p:cNvPicPr>
+          <p:nvPr/>
+        </p:nvPicPr>
+        <p:blipFill>
+          <a:blip r:embed="rId2">
+            <a:extLst>
+              <a:ext uri="{28A0092B-C50C-407E-A947-70E740481C1C}">
+                <a14:useLocalDpi xmlns:a14="http://schemas.microsoft.com/office/drawing/2010/main" val="0"/>
+              </a:ext>
+            </a:extLst>
+          </a:blip>
+          <a:stretch>
+            <a:fillRect/>
+          </a:stretch>
+        </p:blipFill>
+        <p:spPr>
+          <a:xfrm>
+            <a:off x="2086470" y="0"/>
+            <a:ext cx="3168763" cy="6858000"/>
+          </a:xfrm>
+          <a:prstGeom prst="rect">
+            <a:avLst/>
+          </a:prstGeom>
+        </p:spPr>
+      </p:pic>
+    </p:spTree>
+    <p:extLst>
+      <p:ext uri="{BB962C8B-B14F-4D97-AF65-F5344CB8AC3E}">
+        <p14:creationId xmlns:p14="http://schemas.microsoft.com/office/powerpoint/2010/main" val="3790987163"/>
+      </p:ext>
+    </p:extLst>
+  </p:cSld>
+  <p:clrMapOvr>
+    <a:masterClrMapping/>
+  </p:clrMapOvr>
+</p:sld>
+</file>
+
 <file path=ppt/theme/theme1.xml><?xml version="1.0" encoding="utf-8"?>
-<a:theme xmlns:a="http://schemas.openxmlformats.org/drawingml/2006/main" name="office theme">
+<a:theme xmlns:a="http://schemas.openxmlformats.org/drawingml/2006/main" name="Office Theme">
   <a:themeElements>
-    <a:clrScheme name="Office Theme">
+    <a:clrScheme name="Grayscale">
       <a:dk1>
         <a:sysClr val="windowText" lastClr="000000"/>
       </a:dk1>
@@ -3629,34 +4111,34 @@
         <a:sysClr val="window" lastClr="FFFFFF"/>
       </a:lt1>
       <a:dk2>
-        <a:srgbClr val="44546A"/>
+        <a:srgbClr val="000000"/>
       </a:dk2>
       <a:lt2>
-        <a:srgbClr val="E7E6E6"/>
+        <a:srgbClr val="F8F8F8"/>
       </a:lt2>
       <a:accent1>
-        <a:srgbClr val="4472C4"/>
+        <a:srgbClr val="DDDDDD"/>
       </a:accent1>
       <a:accent2>
-        <a:srgbClr val="ED7D31"/>
+        <a:srgbClr val="B2B2B2"/>
       </a:accent2>
       <a:accent3>
-        <a:srgbClr val="A5A5A5"/>
+        <a:srgbClr val="969696"/>
       </a:accent3>
       <a:accent4>
-        <a:srgbClr val="FFC000"/>
+        <a:srgbClr val="808080"/>
       </a:accent4>
       <a:accent5>
-        <a:srgbClr val="5B9BD5"/>
+        <a:srgbClr val="5F5F5F"/>
       </a:accent5>
       <a:accent6>
-        <a:srgbClr val="70AD47"/>
+        <a:srgbClr val="4D4D4D"/>
       </a:accent6>
       <a:hlink>
-        <a:srgbClr val="0563C1"/>
+        <a:srgbClr val="5F5F5F"/>
       </a:hlink>
       <a:folHlink>
-        <a:srgbClr val="954F72"/>
+        <a:srgbClr val="919191"/>
       </a:folHlink>
     </a:clrScheme>
     <a:fontScheme name="Office Theme">
@@ -3664,9 +4146,9 @@
         <a:latin typeface="Calibri Light" panose="020F0302020204030204"/>
         <a:ea typeface=""/>
         <a:cs typeface=""/>
-        <a:font script="Jpan" typeface="ＭＳ Ｐゴシック"/>
+        <a:font script="Jpan" typeface="游ゴシック Light"/>
         <a:font script="Hang" typeface="맑은 고딕"/>
-        <a:font script="Hans" typeface="宋体"/>
+        <a:font script="Hans" typeface="等线 Light"/>
         <a:font script="Hant" typeface="新細明體"/>
         <a:font script="Arab" typeface="Times New Roman"/>
         <a:font script="Hebr" typeface="Times New Roman"/>
@@ -3699,9 +4181,9 @@
         <a:latin typeface="Calibri" panose="020F0502020204030204"/>
         <a:ea typeface=""/>
         <a:cs typeface=""/>
-        <a:font script="Jpan" typeface="ＭＳ Ｐゴシック"/>
+        <a:font script="Jpan" typeface="游ゴシック"/>
         <a:font script="Hang" typeface="맑은 고딕"/>
-        <a:font script="Hans" typeface="宋体"/>
+        <a:font script="Hans" typeface="等线"/>
         <a:font script="Hant" typeface="新細明體"/>
         <a:font script="Arab" typeface="Arial"/>
         <a:font script="Hebr" typeface="Arial"/>
@@ -3873,7 +4355,7 @@
   <a:extraClrSchemeLst/>
   <a:extLst>
     <a:ext uri="{05A4C25C-085E-4340-85A3-A5531E510DB2}">
-      <thm15:themeFamily xmlns:thm15="http://schemas.microsoft.com/office/thememl/2012/main" name="Office Theme" id="{62F939B6-93AF-4DB8-9C6B-D6C7DFDC589F}" vid="{4A3C46E8-61CC-4603-A589-7422A47A8E4A}"/>
+      <thm15:themeFamily xmlns:thm15="http://schemas.microsoft.com/office/thememl/2012/main" name="Office Theme" id="{62F939B6-93AF-4DB8-9C6B-D6C7DFDC589F}" vid="{AE6F2518-B084-4896-AF52-66CC2144AA26}"/>
     </a:ext>
   </a:extLst>
 </a:theme>

--- a/ManualTestPlan.pptx
+++ b/ManualTestPlan.pptx
@@ -7,12 +7,13 @@
   <p:sldIdLst>
     <p:sldId id="256" r:id="rId2"/>
     <p:sldId id="261" r:id="rId3"/>
-    <p:sldId id="260" r:id="rId4"/>
-    <p:sldId id="257" r:id="rId5"/>
-    <p:sldId id="258" r:id="rId6"/>
-    <p:sldId id="259" r:id="rId7"/>
-    <p:sldId id="262" r:id="rId8"/>
-    <p:sldId id="263" r:id="rId9"/>
+    <p:sldId id="264" r:id="rId4"/>
+    <p:sldId id="260" r:id="rId5"/>
+    <p:sldId id="257" r:id="rId6"/>
+    <p:sldId id="258" r:id="rId7"/>
+    <p:sldId id="259" r:id="rId8"/>
+    <p:sldId id="262" r:id="rId9"/>
+    <p:sldId id="263" r:id="rId10"/>
   </p:sldIdLst>
   <p:sldSz cx="12192000" cy="6858000"/>
   <p:notesSz cx="6858000" cy="9144000"/>
@@ -3227,8 +3228,8 @@
         </p:nvSpPr>
         <p:spPr>
           <a:xfrm>
-            <a:off x="867270" y="2738735"/>
-            <a:ext cx="4240696" cy="1200329"/>
+            <a:off x="6960704" y="3105834"/>
+            <a:ext cx="4240696" cy="646331"/>
           </a:xfrm>
           <a:prstGeom prst="rect">
             <a:avLst/>
@@ -3248,22 +3249,7 @@
                 <a:latin typeface="Times New Roman"/>
                 <a:cs typeface="Times New Roman"/>
               </a:rPr>
-              <a:t>Choosing “Login with GitHub” will send them to </a:t>
-            </a:r>
-            <a:r>
-              <a:rPr lang="en-US" dirty="0">
-                <a:latin typeface="Times New Roman"/>
-                <a:cs typeface="Times New Roman"/>
-                <a:hlinkClick r:id="rId2"/>
-              </a:rPr>
-              <a:t>https://www.github.com</a:t>
-            </a:r>
-            <a:r>
-              <a:rPr lang="en-US" dirty="0">
-                <a:latin typeface="Times New Roman"/>
-                <a:cs typeface="Times New Roman"/>
-              </a:rPr>
-              <a:t> for permissions to access non-sensitive data about the user.</a:t>
+              <a:t>Invalid username and/or password entry will result in this alert.</a:t>
             </a:r>
             <a:endParaRPr lang="en-US" dirty="0">
               <a:cs typeface="Calibri"/>
@@ -3273,10 +3259,10 @@
       </p:sp>
       <p:pic>
         <p:nvPicPr>
-          <p:cNvPr id="4" name="Picture 3" descr="A screenshot of a cell phone&#13;&#10;&#13;&#10;Description automatically generated">
+          <p:cNvPr id="3" name="Picture 2">
             <a:extLst>
               <a:ext uri="{FF2B5EF4-FFF2-40B4-BE49-F238E27FC236}">
-                <a16:creationId xmlns:a16="http://schemas.microsoft.com/office/drawing/2014/main" id="{3F2F0C34-B22E-7F47-9E11-E0B3BADE5664}"/>
+                <a16:creationId xmlns:a16="http://schemas.microsoft.com/office/drawing/2014/main" id="{FD3928DF-E84F-8647-9B78-B1C53F30E69E}"/>
               </a:ext>
             </a:extLst>
           </p:cNvPr>
@@ -3286,7 +3272,7 @@
           <p:nvPr/>
         </p:nvPicPr>
         <p:blipFill>
-          <a:blip r:embed="rId3">
+          <a:blip r:embed="rId2">
             <a:extLst>
               <a:ext uri="{28A0092B-C50C-407E-A947-70E740481C1C}">
                 <a14:useLocalDpi xmlns:a14="http://schemas.microsoft.com/office/drawing/2010/main" val="0"/>
@@ -3299,7 +3285,7 @@
         </p:blipFill>
         <p:spPr>
           <a:xfrm>
-            <a:off x="6221148" y="0"/>
+            <a:off x="2927237" y="0"/>
             <a:ext cx="3168763" cy="6858000"/>
           </a:xfrm>
           <a:prstGeom prst="rect">
@@ -3351,6 +3337,130 @@
         </p:nvSpPr>
         <p:spPr>
           <a:xfrm>
+            <a:off x="867270" y="2738735"/>
+            <a:ext cx="4240696" cy="1200329"/>
+          </a:xfrm>
+          <a:prstGeom prst="rect">
+            <a:avLst/>
+          </a:prstGeom>
+        </p:spPr>
+        <p:txBody>
+          <a:bodyPr rot="0" spcFirstLastPara="0" vertOverflow="overflow" horzOverflow="overflow" vert="horz" wrap="square" lIns="91440" tIns="45720" rIns="91440" bIns="45720" numCol="1" spcCol="0" rtlCol="0" fromWordArt="0" anchor="t" anchorCtr="0" forceAA="0" compatLnSpc="1">
+            <a:prstTxWarp prst="textNoShape">
+              <a:avLst/>
+            </a:prstTxWarp>
+            <a:spAutoFit/>
+          </a:bodyPr>
+          <a:lstStyle/>
+          <a:p>
+            <a:r>
+              <a:rPr lang="en-US" dirty="0">
+                <a:latin typeface="Times New Roman"/>
+                <a:cs typeface="Times New Roman"/>
+              </a:rPr>
+              <a:t>Choosing “Login with GitHub” will send them to </a:t>
+            </a:r>
+            <a:r>
+              <a:rPr lang="en-US" dirty="0">
+                <a:latin typeface="Times New Roman"/>
+                <a:cs typeface="Times New Roman"/>
+                <a:hlinkClick r:id="rId2"/>
+              </a:rPr>
+              <a:t>https://www.github.com</a:t>
+            </a:r>
+            <a:r>
+              <a:rPr lang="en-US" dirty="0">
+                <a:latin typeface="Times New Roman"/>
+                <a:cs typeface="Times New Roman"/>
+              </a:rPr>
+              <a:t> for permissions to access non-sensitive data about the user.</a:t>
+            </a:r>
+            <a:endParaRPr lang="en-US" dirty="0">
+              <a:cs typeface="Calibri"/>
+            </a:endParaRPr>
+          </a:p>
+        </p:txBody>
+      </p:sp>
+      <p:pic>
+        <p:nvPicPr>
+          <p:cNvPr id="4" name="Picture 3" descr="A screenshot of a cell phone&#13;&#10;&#13;&#10;Description automatically generated">
+            <a:extLst>
+              <a:ext uri="{FF2B5EF4-FFF2-40B4-BE49-F238E27FC236}">
+                <a16:creationId xmlns:a16="http://schemas.microsoft.com/office/drawing/2014/main" id="{3F2F0C34-B22E-7F47-9E11-E0B3BADE5664}"/>
+              </a:ext>
+            </a:extLst>
+          </p:cNvPr>
+          <p:cNvPicPr>
+            <a:picLocks noChangeAspect="1"/>
+          </p:cNvPicPr>
+          <p:nvPr/>
+        </p:nvPicPr>
+        <p:blipFill>
+          <a:blip r:embed="rId3">
+            <a:extLst>
+              <a:ext uri="{28A0092B-C50C-407E-A947-70E740481C1C}">
+                <a14:useLocalDpi xmlns:a14="http://schemas.microsoft.com/office/drawing/2010/main" val="0"/>
+              </a:ext>
+            </a:extLst>
+          </a:blip>
+          <a:stretch>
+            <a:fillRect/>
+          </a:stretch>
+        </p:blipFill>
+        <p:spPr>
+          <a:xfrm>
+            <a:off x="6221148" y="0"/>
+            <a:ext cx="3168763" cy="6858000"/>
+          </a:xfrm>
+          <a:prstGeom prst="rect">
+            <a:avLst/>
+          </a:prstGeom>
+        </p:spPr>
+      </p:pic>
+    </p:spTree>
+    <p:extLst>
+      <p:ext uri="{BB962C8B-B14F-4D97-AF65-F5344CB8AC3E}">
+        <p14:creationId xmlns:p14="http://schemas.microsoft.com/office/powerpoint/2010/main" val="1054355434"/>
+      </p:ext>
+    </p:extLst>
+  </p:cSld>
+  <p:clrMapOvr>
+    <a:masterClrMapping/>
+  </p:clrMapOvr>
+</p:sld>
+</file>
+
+<file path=ppt/slides/slide4.xml><?xml version="1.0" encoding="utf-8"?>
+<p:sld xmlns:a="http://schemas.openxmlformats.org/drawingml/2006/main" xmlns:r="http://schemas.openxmlformats.org/officeDocument/2006/relationships" xmlns:p="http://schemas.openxmlformats.org/presentationml/2006/main">
+  <p:cSld>
+    <p:spTree>
+      <p:nvGrpSpPr>
+        <p:cNvPr id="1" name=""/>
+        <p:cNvGrpSpPr/>
+        <p:nvPr/>
+      </p:nvGrpSpPr>
+      <p:grpSpPr>
+        <a:xfrm>
+          <a:off x="0" y="0"/>
+          <a:ext cx="0" cy="0"/>
+          <a:chOff x="0" y="0"/>
+          <a:chExt cx="0" cy="0"/>
+        </a:xfrm>
+      </p:grpSpPr>
+      <p:sp>
+        <p:nvSpPr>
+          <p:cNvPr id="8" name="TextBox 7">
+            <a:extLst>
+              <a:ext uri="{FF2B5EF4-FFF2-40B4-BE49-F238E27FC236}">
+                <a16:creationId xmlns:a16="http://schemas.microsoft.com/office/drawing/2014/main" id="{008E6972-706A-4845-B95A-7664E3CD13A9}"/>
+              </a:ext>
+            </a:extLst>
+          </p:cNvPr>
+          <p:cNvSpPr txBox="1"/>
+          <p:nvPr/>
+        </p:nvSpPr>
+        <p:spPr>
+          <a:xfrm>
             <a:off x="5529471" y="2935357"/>
             <a:ext cx="5115339" cy="1200329"/>
           </a:xfrm>
@@ -3443,7 +3553,7 @@
 </p:sld>
 </file>
 
-<file path=ppt/slides/slide4.xml><?xml version="1.0" encoding="utf-8"?>
+<file path=ppt/slides/slide5.xml><?xml version="1.0" encoding="utf-8"?>
 <p:sld xmlns:a="http://schemas.openxmlformats.org/drawingml/2006/main" xmlns:r="http://schemas.openxmlformats.org/officeDocument/2006/relationships" xmlns:p="http://schemas.openxmlformats.org/presentationml/2006/main">
   <p:cSld>
     <p:spTree>
@@ -3563,7 +3673,7 @@
 </p:sld>
 </file>
 
-<file path=ppt/slides/slide5.xml><?xml version="1.0" encoding="utf-8"?>
+<file path=ppt/slides/slide6.xml><?xml version="1.0" encoding="utf-8"?>
 <p:sld xmlns:a="http://schemas.openxmlformats.org/drawingml/2006/main" xmlns:r="http://schemas.openxmlformats.org/officeDocument/2006/relationships" xmlns:p="http://schemas.openxmlformats.org/presentationml/2006/main">
   <p:cSld>
     <p:spTree>
@@ -3669,7 +3779,7 @@
 </p:sld>
 </file>
 
-<file path=ppt/slides/slide6.xml><?xml version="1.0" encoding="utf-8"?>
+<file path=ppt/slides/slide7.xml><?xml version="1.0" encoding="utf-8"?>
 <p:sld xmlns:a="http://schemas.openxmlformats.org/drawingml/2006/main" xmlns:r="http://schemas.openxmlformats.org/officeDocument/2006/relationships" xmlns:p="http://schemas.openxmlformats.org/presentationml/2006/main">
   <p:cSld>
     <p:spTree>
@@ -3852,7 +3962,7 @@
 </p:sld>
 </file>
 
-<file path=ppt/slides/slide7.xml><?xml version="1.0" encoding="utf-8"?>
+<file path=ppt/slides/slide8.xml><?xml version="1.0" encoding="utf-8"?>
 <p:sld xmlns:a="http://schemas.openxmlformats.org/drawingml/2006/main" xmlns:r="http://schemas.openxmlformats.org/officeDocument/2006/relationships" xmlns:p="http://schemas.openxmlformats.org/presentationml/2006/main">
   <p:cSld>
     <p:spTree>
@@ -3994,7 +4104,7 @@
 </p:sld>
 </file>
 
-<file path=ppt/slides/slide8.xml><?xml version="1.0" encoding="utf-8"?>
+<file path=ppt/slides/slide9.xml><?xml version="1.0" encoding="utf-8"?>
 <p:sld xmlns:a="http://schemas.openxmlformats.org/drawingml/2006/main" xmlns:r="http://schemas.openxmlformats.org/officeDocument/2006/relationships" xmlns:p="http://schemas.openxmlformats.org/presentationml/2006/main">
   <p:cSld>
     <p:spTree>

--- a/ManualTestPlan.pptx
+++ b/ManualTestPlan.pptx
@@ -10,10 +10,11 @@
     <p:sldId id="264" r:id="rId4"/>
     <p:sldId id="260" r:id="rId5"/>
     <p:sldId id="257" r:id="rId6"/>
-    <p:sldId id="258" r:id="rId7"/>
-    <p:sldId id="259" r:id="rId8"/>
-    <p:sldId id="262" r:id="rId9"/>
-    <p:sldId id="263" r:id="rId10"/>
+    <p:sldId id="265" r:id="rId7"/>
+    <p:sldId id="258" r:id="rId8"/>
+    <p:sldId id="259" r:id="rId9"/>
+    <p:sldId id="262" r:id="rId10"/>
+    <p:sldId id="263" r:id="rId11"/>
   </p:sldIdLst>
   <p:sldSz cx="12192000" cy="6858000"/>
   <p:notesSz cx="6858000" cy="9144000"/>
@@ -3197,6 +3198,112 @@
 </p:sld>
 </file>
 
+<file path=ppt/slides/slide10.xml><?xml version="1.0" encoding="utf-8"?>
+<p:sld xmlns:a="http://schemas.openxmlformats.org/drawingml/2006/main" xmlns:r="http://schemas.openxmlformats.org/officeDocument/2006/relationships" xmlns:p="http://schemas.openxmlformats.org/presentationml/2006/main">
+  <p:cSld>
+    <p:spTree>
+      <p:nvGrpSpPr>
+        <p:cNvPr id="1" name=""/>
+        <p:cNvGrpSpPr/>
+        <p:nvPr/>
+      </p:nvGrpSpPr>
+      <p:grpSpPr>
+        <a:xfrm>
+          <a:off x="0" y="0"/>
+          <a:ext cx="0" cy="0"/>
+          <a:chOff x="0" y="0"/>
+          <a:chExt cx="0" cy="0"/>
+        </a:xfrm>
+      </p:grpSpPr>
+      <p:sp>
+        <p:nvSpPr>
+          <p:cNvPr id="4" name="TextBox 3">
+            <a:extLst>
+              <a:ext uri="{FF2B5EF4-FFF2-40B4-BE49-F238E27FC236}">
+                <a16:creationId xmlns:a16="http://schemas.microsoft.com/office/drawing/2014/main" id="{CFD2FA00-4B5C-D347-8440-010E7600A350}"/>
+              </a:ext>
+            </a:extLst>
+          </p:cNvPr>
+          <p:cNvSpPr txBox="1"/>
+          <p:nvPr/>
+        </p:nvSpPr>
+        <p:spPr>
+          <a:xfrm>
+            <a:off x="7131178" y="3270983"/>
+            <a:ext cx="3388050" cy="923330"/>
+          </a:xfrm>
+          <a:prstGeom prst="rect">
+            <a:avLst/>
+          </a:prstGeom>
+        </p:spPr>
+        <p:txBody>
+          <a:bodyPr rot="0" spcFirstLastPara="0" vertOverflow="overflow" horzOverflow="overflow" vert="horz" wrap="square" lIns="91440" tIns="45720" rIns="91440" bIns="45720" numCol="1" spcCol="0" rtlCol="0" fromWordArt="0" anchor="t" anchorCtr="0" forceAA="0" compatLnSpc="1">
+            <a:prstTxWarp prst="textNoShape">
+              <a:avLst/>
+            </a:prstTxWarp>
+            <a:spAutoFit/>
+          </a:bodyPr>
+          <a:lstStyle/>
+          <a:p>
+            <a:r>
+              <a:rPr lang="en-US" dirty="0">
+                <a:latin typeface="Times New Roman"/>
+                <a:cs typeface="Times New Roman"/>
+              </a:rPr>
+              <a:t>End a session by clicking on the logout icon in the top left. A confirmation screen will pop out.</a:t>
+            </a:r>
+          </a:p>
+        </p:txBody>
+      </p:sp>
+      <p:pic>
+        <p:nvPicPr>
+          <p:cNvPr id="5" name="Picture 4" descr="A screenshot of a cell phone&#13;&#10;&#13;&#10;Description automatically generated">
+            <a:extLst>
+              <a:ext uri="{FF2B5EF4-FFF2-40B4-BE49-F238E27FC236}">
+                <a16:creationId xmlns:a16="http://schemas.microsoft.com/office/drawing/2014/main" id="{92C60A76-4601-8048-967E-9A02F905279A}"/>
+              </a:ext>
+            </a:extLst>
+          </p:cNvPr>
+          <p:cNvPicPr>
+            <a:picLocks noChangeAspect="1"/>
+          </p:cNvPicPr>
+          <p:nvPr/>
+        </p:nvPicPr>
+        <p:blipFill>
+          <a:blip r:embed="rId2">
+            <a:extLst>
+              <a:ext uri="{28A0092B-C50C-407E-A947-70E740481C1C}">
+                <a14:useLocalDpi xmlns:a14="http://schemas.microsoft.com/office/drawing/2010/main" val="0"/>
+              </a:ext>
+            </a:extLst>
+          </a:blip>
+          <a:stretch>
+            <a:fillRect/>
+          </a:stretch>
+        </p:blipFill>
+        <p:spPr>
+          <a:xfrm>
+            <a:off x="2086470" y="0"/>
+            <a:ext cx="3168763" cy="6858000"/>
+          </a:xfrm>
+          <a:prstGeom prst="rect">
+            <a:avLst/>
+          </a:prstGeom>
+        </p:spPr>
+      </p:pic>
+    </p:spTree>
+    <p:extLst>
+      <p:ext uri="{BB962C8B-B14F-4D97-AF65-F5344CB8AC3E}">
+        <p14:creationId xmlns:p14="http://schemas.microsoft.com/office/powerpoint/2010/main" val="3790987163"/>
+      </p:ext>
+    </p:extLst>
+  </p:cSld>
+  <p:clrMapOvr>
+    <a:masterClrMapping/>
+  </p:clrMapOvr>
+</p:sld>
+</file>
+
 <file path=ppt/slides/slide2.xml><?xml version="1.0" encoding="utf-8"?>
 <p:sld xmlns:a="http://schemas.openxmlformats.org/drawingml/2006/main" xmlns:r="http://schemas.openxmlformats.org/officeDocument/2006/relationships" xmlns:p="http://schemas.openxmlformats.org/presentationml/2006/main">
   <p:cSld>
@@ -3584,7 +3691,7 @@
         </p:nvSpPr>
         <p:spPr>
           <a:xfrm>
-            <a:off x="1331844" y="3263348"/>
+            <a:off x="980661" y="2967335"/>
             <a:ext cx="5115339" cy="923330"/>
           </a:xfrm>
           <a:prstGeom prst="rect">
@@ -3605,21 +3712,7 @@
                 <a:latin typeface="Times New Roman"/>
                 <a:cs typeface="Times New Roman"/>
               </a:rPr>
-              <a:t>Swiping their name to the left will reveal multiple descriptors of their account like their bio and when they joined </a:t>
-            </a:r>
-            <a:r>
-              <a:rPr lang="en-US" dirty="0" err="1">
-                <a:latin typeface="Times New Roman"/>
-                <a:cs typeface="Times New Roman"/>
-              </a:rPr>
-              <a:t>Github</a:t>
-            </a:r>
-            <a:r>
-              <a:rPr lang="en-US" dirty="0">
-                <a:latin typeface="Times New Roman"/>
-                <a:cs typeface="Times New Roman"/>
-              </a:rPr>
-              <a:t>.</a:t>
+              <a:t>Swiping the name to the left will reveal multiple descriptors of their account like their bio and when they joined GitHub.</a:t>
             </a:r>
           </a:p>
         </p:txBody>
@@ -3692,6 +3785,112 @@
       </p:grpSpPr>
       <p:sp>
         <p:nvSpPr>
+          <p:cNvPr id="8" name="TextBox 7">
+            <a:extLst>
+              <a:ext uri="{FF2B5EF4-FFF2-40B4-BE49-F238E27FC236}">
+                <a16:creationId xmlns:a16="http://schemas.microsoft.com/office/drawing/2014/main" id="{008E6972-706A-4845-B95A-7664E3CD13A9}"/>
+              </a:ext>
+            </a:extLst>
+          </p:cNvPr>
+          <p:cNvSpPr txBox="1"/>
+          <p:nvPr/>
+        </p:nvSpPr>
+        <p:spPr>
+          <a:xfrm>
+            <a:off x="5910469" y="2967335"/>
+            <a:ext cx="5115339" cy="923330"/>
+          </a:xfrm>
+          <a:prstGeom prst="rect">
+            <a:avLst/>
+          </a:prstGeom>
+        </p:spPr>
+        <p:txBody>
+          <a:bodyPr rot="0" spcFirstLastPara="0" vertOverflow="overflow" horzOverflow="overflow" vert="horz" wrap="square" lIns="91440" tIns="45720" rIns="91440" bIns="45720" numCol="1" spcCol="0" rtlCol="0" fromWordArt="0" anchor="t" anchorCtr="0" forceAA="0" compatLnSpc="1">
+            <a:prstTxWarp prst="textNoShape">
+              <a:avLst/>
+            </a:prstTxWarp>
+            <a:spAutoFit/>
+          </a:bodyPr>
+          <a:lstStyle/>
+          <a:p>
+            <a:r>
+              <a:rPr lang="en-US" dirty="0">
+                <a:latin typeface="Times New Roman"/>
+                <a:cs typeface="Times New Roman"/>
+              </a:rPr>
+              <a:t>Clicking on an unread notification will send the user to the official GitHub page to view the notification. The message will then be marked as read.</a:t>
+            </a:r>
+          </a:p>
+        </p:txBody>
+      </p:sp>
+      <p:pic>
+        <p:nvPicPr>
+          <p:cNvPr id="3" name="Picture 2" descr="A screenshot of a cell phone&#13;&#10;&#13;&#10;Description automatically generated">
+            <a:extLst>
+              <a:ext uri="{FF2B5EF4-FFF2-40B4-BE49-F238E27FC236}">
+                <a16:creationId xmlns:a16="http://schemas.microsoft.com/office/drawing/2014/main" id="{11B41C3C-6B6F-7C41-941C-904583B5AF4D}"/>
+              </a:ext>
+            </a:extLst>
+          </p:cNvPr>
+          <p:cNvPicPr>
+            <a:picLocks noChangeAspect="1"/>
+          </p:cNvPicPr>
+          <p:nvPr/>
+        </p:nvPicPr>
+        <p:blipFill>
+          <a:blip r:embed="rId2">
+            <a:extLst>
+              <a:ext uri="{28A0092B-C50C-407E-A947-70E740481C1C}">
+                <a14:useLocalDpi xmlns:a14="http://schemas.microsoft.com/office/drawing/2010/main" val="0"/>
+              </a:ext>
+            </a:extLst>
+          </a:blip>
+          <a:stretch>
+            <a:fillRect/>
+          </a:stretch>
+        </p:blipFill>
+        <p:spPr>
+          <a:xfrm>
+            <a:off x="2020210" y="0"/>
+            <a:ext cx="3168763" cy="6858000"/>
+          </a:xfrm>
+          <a:prstGeom prst="rect">
+            <a:avLst/>
+          </a:prstGeom>
+        </p:spPr>
+      </p:pic>
+    </p:spTree>
+    <p:extLst>
+      <p:ext uri="{BB962C8B-B14F-4D97-AF65-F5344CB8AC3E}">
+        <p14:creationId xmlns:p14="http://schemas.microsoft.com/office/powerpoint/2010/main" val="4047066465"/>
+      </p:ext>
+    </p:extLst>
+  </p:cSld>
+  <p:clrMapOvr>
+    <a:masterClrMapping/>
+  </p:clrMapOvr>
+</p:sld>
+</file>
+
+<file path=ppt/slides/slide7.xml><?xml version="1.0" encoding="utf-8"?>
+<p:sld xmlns:a="http://schemas.openxmlformats.org/drawingml/2006/main" xmlns:r="http://schemas.openxmlformats.org/officeDocument/2006/relationships" xmlns:p="http://schemas.openxmlformats.org/presentationml/2006/main">
+  <p:cSld>
+    <p:spTree>
+      <p:nvGrpSpPr>
+        <p:cNvPr id="1" name=""/>
+        <p:cNvGrpSpPr/>
+        <p:nvPr/>
+      </p:nvGrpSpPr>
+      <p:grpSpPr>
+        <a:xfrm>
+          <a:off x="0" y="0"/>
+          <a:ext cx="0" cy="0"/>
+          <a:chOff x="0" y="0"/>
+          <a:chExt cx="0" cy="0"/>
+        </a:xfrm>
+      </p:grpSpPr>
+      <p:sp>
+        <p:nvSpPr>
           <p:cNvPr id="10" name="TextBox 9">
             <a:extLst>
               <a:ext uri="{FF2B5EF4-FFF2-40B4-BE49-F238E27FC236}">
@@ -3779,7 +3978,7 @@
 </p:sld>
 </file>
 
-<file path=ppt/slides/slide7.xml><?xml version="1.0" encoding="utf-8"?>
+<file path=ppt/slides/slide8.xml><?xml version="1.0" encoding="utf-8"?>
 <p:sld xmlns:a="http://schemas.openxmlformats.org/drawingml/2006/main" xmlns:r="http://schemas.openxmlformats.org/officeDocument/2006/relationships" xmlns:p="http://schemas.openxmlformats.org/presentationml/2006/main">
   <p:cSld>
     <p:spTree>
@@ -3810,7 +4009,7 @@
         </p:nvSpPr>
         <p:spPr>
           <a:xfrm>
-            <a:off x="1026044" y="2416217"/>
+            <a:off x="999912" y="2828835"/>
             <a:ext cx="2840278" cy="1200329"/>
           </a:xfrm>
           <a:prstGeom prst="rect">
@@ -3924,8 +4123,8 @@
         </p:nvCxnSpPr>
         <p:spPr>
           <a:xfrm flipV="1">
-            <a:off x="7324957" y="3339548"/>
-            <a:ext cx="1590443" cy="2698128"/>
+            <a:off x="7832035" y="3150704"/>
+            <a:ext cx="1098436" cy="2839279"/>
           </a:xfrm>
           <a:prstGeom prst="straightConnector1">
             <a:avLst/>
@@ -3936,13 +4135,13 @@
         </p:spPr>
         <p:style>
           <a:lnRef idx="1">
-            <a:schemeClr val="accent1"/>
+            <a:schemeClr val="dk1"/>
           </a:lnRef>
           <a:fillRef idx="0">
-            <a:schemeClr val="accent1"/>
+            <a:schemeClr val="dk1"/>
           </a:fillRef>
           <a:effectRef idx="0">
-            <a:schemeClr val="accent1"/>
+            <a:schemeClr val="dk1"/>
           </a:effectRef>
           <a:fontRef idx="minor">
             <a:schemeClr val="tx1"/>
@@ -3962,7 +4161,7 @@
 </p:sld>
 </file>
 
-<file path=ppt/slides/slide8.xml><?xml version="1.0" encoding="utf-8"?>
+<file path=ppt/slides/slide9.xml><?xml version="1.0" encoding="utf-8"?>
 <p:sld xmlns:a="http://schemas.openxmlformats.org/drawingml/2006/main" xmlns:r="http://schemas.openxmlformats.org/officeDocument/2006/relationships" xmlns:p="http://schemas.openxmlformats.org/presentationml/2006/main">
   <p:cSld>
     <p:spTree>
@@ -4095,112 +4294,6 @@
     <p:extLst>
       <p:ext uri="{BB962C8B-B14F-4D97-AF65-F5344CB8AC3E}">
         <p14:creationId xmlns:p14="http://schemas.microsoft.com/office/powerpoint/2010/main" val="2699588418"/>
-      </p:ext>
-    </p:extLst>
-  </p:cSld>
-  <p:clrMapOvr>
-    <a:masterClrMapping/>
-  </p:clrMapOvr>
-</p:sld>
-</file>
-
-<file path=ppt/slides/slide9.xml><?xml version="1.0" encoding="utf-8"?>
-<p:sld xmlns:a="http://schemas.openxmlformats.org/drawingml/2006/main" xmlns:r="http://schemas.openxmlformats.org/officeDocument/2006/relationships" xmlns:p="http://schemas.openxmlformats.org/presentationml/2006/main">
-  <p:cSld>
-    <p:spTree>
-      <p:nvGrpSpPr>
-        <p:cNvPr id="1" name=""/>
-        <p:cNvGrpSpPr/>
-        <p:nvPr/>
-      </p:nvGrpSpPr>
-      <p:grpSpPr>
-        <a:xfrm>
-          <a:off x="0" y="0"/>
-          <a:ext cx="0" cy="0"/>
-          <a:chOff x="0" y="0"/>
-          <a:chExt cx="0" cy="0"/>
-        </a:xfrm>
-      </p:grpSpPr>
-      <p:sp>
-        <p:nvSpPr>
-          <p:cNvPr id="4" name="TextBox 3">
-            <a:extLst>
-              <a:ext uri="{FF2B5EF4-FFF2-40B4-BE49-F238E27FC236}">
-                <a16:creationId xmlns:a16="http://schemas.microsoft.com/office/drawing/2014/main" id="{CFD2FA00-4B5C-D347-8440-010E7600A350}"/>
-              </a:ext>
-            </a:extLst>
-          </p:cNvPr>
-          <p:cNvSpPr txBox="1"/>
-          <p:nvPr/>
-        </p:nvSpPr>
-        <p:spPr>
-          <a:xfrm>
-            <a:off x="7131178" y="3270983"/>
-            <a:ext cx="3388050" cy="923330"/>
-          </a:xfrm>
-          <a:prstGeom prst="rect">
-            <a:avLst/>
-          </a:prstGeom>
-        </p:spPr>
-        <p:txBody>
-          <a:bodyPr rot="0" spcFirstLastPara="0" vertOverflow="overflow" horzOverflow="overflow" vert="horz" wrap="square" lIns="91440" tIns="45720" rIns="91440" bIns="45720" numCol="1" spcCol="0" rtlCol="0" fromWordArt="0" anchor="t" anchorCtr="0" forceAA="0" compatLnSpc="1">
-            <a:prstTxWarp prst="textNoShape">
-              <a:avLst/>
-            </a:prstTxWarp>
-            <a:spAutoFit/>
-          </a:bodyPr>
-          <a:lstStyle/>
-          <a:p>
-            <a:r>
-              <a:rPr lang="en-US" dirty="0">
-                <a:latin typeface="Times New Roman"/>
-                <a:cs typeface="Times New Roman"/>
-              </a:rPr>
-              <a:t>End a session by clicking on the logout icon in the top left. A confirmation screen will pop out.</a:t>
-            </a:r>
-          </a:p>
-        </p:txBody>
-      </p:sp>
-      <p:pic>
-        <p:nvPicPr>
-          <p:cNvPr id="5" name="Picture 4" descr="A screenshot of a cell phone&#13;&#10;&#13;&#10;Description automatically generated">
-            <a:extLst>
-              <a:ext uri="{FF2B5EF4-FFF2-40B4-BE49-F238E27FC236}">
-                <a16:creationId xmlns:a16="http://schemas.microsoft.com/office/drawing/2014/main" id="{92C60A76-4601-8048-967E-9A02F905279A}"/>
-              </a:ext>
-            </a:extLst>
-          </p:cNvPr>
-          <p:cNvPicPr>
-            <a:picLocks noChangeAspect="1"/>
-          </p:cNvPicPr>
-          <p:nvPr/>
-        </p:nvPicPr>
-        <p:blipFill>
-          <a:blip r:embed="rId2">
-            <a:extLst>
-              <a:ext uri="{28A0092B-C50C-407E-A947-70E740481C1C}">
-                <a14:useLocalDpi xmlns:a14="http://schemas.microsoft.com/office/drawing/2010/main" val="0"/>
-              </a:ext>
-            </a:extLst>
-          </a:blip>
-          <a:stretch>
-            <a:fillRect/>
-          </a:stretch>
-        </p:blipFill>
-        <p:spPr>
-          <a:xfrm>
-            <a:off x="2086470" y="0"/>
-            <a:ext cx="3168763" cy="6858000"/>
-          </a:xfrm>
-          <a:prstGeom prst="rect">
-            <a:avLst/>
-          </a:prstGeom>
-        </p:spPr>
-      </p:pic>
-    </p:spTree>
-    <p:extLst>
-      <p:ext uri="{BB962C8B-B14F-4D97-AF65-F5344CB8AC3E}">
-        <p14:creationId xmlns:p14="http://schemas.microsoft.com/office/powerpoint/2010/main" val="3790987163"/>
       </p:ext>
     </p:extLst>
   </p:cSld>
